--- a/PPT/rt-thread.pptx
+++ b/PPT/rt-thread.pptx
@@ -5,23 +5,26 @@
     <p:sldMasterId id="2147483660" r:id="rId1"/>
   </p:sldMasterIdLst>
   <p:notesMasterIdLst>
-    <p:notesMasterId r:id="rId13"/>
+    <p:notesMasterId r:id="rId16"/>
   </p:notesMasterIdLst>
   <p:handoutMasterIdLst>
-    <p:handoutMasterId r:id="rId14"/>
+    <p:handoutMasterId r:id="rId17"/>
   </p:handoutMasterIdLst>
   <p:sldIdLst>
     <p:sldId id="256" r:id="rId2"/>
     <p:sldId id="295" r:id="rId3"/>
     <p:sldId id="296" r:id="rId4"/>
     <p:sldId id="297" r:id="rId5"/>
-    <p:sldId id="298" r:id="rId6"/>
-    <p:sldId id="299" r:id="rId7"/>
-    <p:sldId id="300" r:id="rId8"/>
-    <p:sldId id="301" r:id="rId9"/>
-    <p:sldId id="302" r:id="rId10"/>
-    <p:sldId id="303" r:id="rId11"/>
-    <p:sldId id="304" r:id="rId12"/>
+    <p:sldId id="305" r:id="rId6"/>
+    <p:sldId id="298" r:id="rId7"/>
+    <p:sldId id="299" r:id="rId8"/>
+    <p:sldId id="300" r:id="rId9"/>
+    <p:sldId id="301" r:id="rId10"/>
+    <p:sldId id="302" r:id="rId11"/>
+    <p:sldId id="303" r:id="rId12"/>
+    <p:sldId id="304" r:id="rId13"/>
+    <p:sldId id="306" r:id="rId14"/>
+    <p:sldId id="307" r:id="rId15"/>
   </p:sldIdLst>
   <p:sldSz cx="9144000" cy="6858000" type="screen4x3"/>
   <p:notesSz cx="6858000" cy="9144000"/>
@@ -16008,166 +16011,870 @@
           <a:p>
             <a:r>
               <a:rPr lang="zh-CN" altLang="en-US" dirty="0" smtClean="0"/>
-              <a:t>目前常用的实时操作系统</a:t>
+              <a:t>前后台系统与</a:t>
+            </a:r>
+            <a:r>
+              <a:rPr lang="en-US" altLang="zh-CN" dirty="0" smtClean="0"/>
+              <a:t>OS</a:t>
+            </a:r>
+            <a:r>
+              <a:rPr lang="zh-CN" altLang="en-US" dirty="0" smtClean="0"/>
+              <a:t>的比较</a:t>
             </a:r>
             <a:endParaRPr lang="zh-CN" altLang="en-US" dirty="0"/>
           </a:p>
         </p:txBody>
       </p:sp>
-      <p:sp>
-        <p:nvSpPr>
-          <p:cNvPr id="2" name="内容占位符 1"/>
-          <p:cNvSpPr>
-            <a:spLocks noGrp="1"/>
-          </p:cNvSpPr>
+      <p:graphicFrame>
+        <p:nvGraphicFramePr>
+          <p:cNvPr id="6" name="内容占位符 5"/>
+          <p:cNvGraphicFramePr>
+            <a:graphicFrameLocks noGrp="1"/>
+          </p:cNvGraphicFramePr>
           <p:nvPr>
             <p:ph idx="1"/>
+            <p:extLst>
+              <p:ext uri="{D42A27DB-BD31-4B8C-83A1-F6EECF244321}">
+                <p14:modId xmlns:p14="http://schemas.microsoft.com/office/powerpoint/2010/main" val="3775535164"/>
+              </p:ext>
+            </p:extLst>
           </p:nvPr>
-        </p:nvSpPr>
-        <p:spPr/>
-        <p:txBody>
-          <a:bodyPr/>
-          <a:lstStyle/>
-          <a:p>
-            <a:r>
-              <a:rPr lang="zh-CN" altLang="en-US" dirty="0"/>
-              <a:t>常用的 </a:t>
-            </a:r>
-            <a:r>
-              <a:rPr lang="en-US" altLang="zh-CN" dirty="0"/>
-              <a:t>RTOS </a:t>
-            </a:r>
-            <a:r>
-              <a:rPr lang="zh-CN" altLang="en-US" dirty="0"/>
-              <a:t>有国外的 </a:t>
-            </a:r>
-            <a:r>
-              <a:rPr lang="en-US" altLang="zh-CN" dirty="0" err="1"/>
-              <a:t>FreeRTOS</a:t>
-            </a:r>
-            <a:r>
-              <a:rPr lang="zh-CN" altLang="en-US" dirty="0" smtClean="0"/>
-              <a:t>、</a:t>
-            </a:r>
-            <a:r>
-              <a:rPr lang="el-GR" altLang="zh-CN" dirty="0" smtClean="0"/>
-              <a:t>μ</a:t>
-            </a:r>
-            <a:r>
-              <a:rPr lang="en-US" altLang="zh-CN" dirty="0"/>
-              <a:t>C/OS</a:t>
-            </a:r>
-            <a:r>
-              <a:rPr lang="zh-CN" altLang="en-US" dirty="0"/>
-              <a:t>、 </a:t>
-            </a:r>
-            <a:r>
-              <a:rPr lang="en-US" altLang="zh-CN" dirty="0"/>
-              <a:t>RTX </a:t>
-            </a:r>
-            <a:r>
-              <a:rPr lang="zh-CN" altLang="en-US" dirty="0"/>
-              <a:t>和国内的 </a:t>
-            </a:r>
-            <a:r>
-              <a:rPr lang="en-US" altLang="zh-CN" dirty="0"/>
-              <a:t>RT-Thread</a:t>
-            </a:r>
-            <a:r>
-              <a:rPr lang="zh-CN" altLang="en-US" dirty="0"/>
-              <a:t>、 </a:t>
-            </a:r>
-            <a:r>
-              <a:rPr lang="en-US" altLang="zh-CN" dirty="0"/>
-              <a:t>Huawei </a:t>
-            </a:r>
-            <a:r>
-              <a:rPr lang="en-US" altLang="zh-CN" dirty="0" err="1"/>
-              <a:t>LiteOS</a:t>
-            </a:r>
-            <a:r>
-              <a:rPr lang="en-US" altLang="zh-CN" dirty="0"/>
-              <a:t> </a:t>
-            </a:r>
-            <a:r>
-              <a:rPr lang="zh-CN" altLang="en-US" dirty="0"/>
-              <a:t>和 </a:t>
-            </a:r>
-            <a:r>
-              <a:rPr lang="en-US" altLang="zh-CN" dirty="0" err="1"/>
-              <a:t>AliOS</a:t>
-            </a:r>
-            <a:r>
-              <a:rPr lang="en-US" altLang="zh-CN" dirty="0"/>
-              <a:t>-Things </a:t>
-            </a:r>
-            <a:r>
-              <a:rPr lang="zh-CN" altLang="en-US" dirty="0"/>
-              <a:t>等， 其中尤以国外开</a:t>
-            </a:r>
-            <a:r>
-              <a:rPr lang="zh-CN" altLang="en-US" dirty="0" smtClean="0"/>
-              <a:t>源且</a:t>
-            </a:r>
-            <a:r>
-              <a:rPr lang="zh-CN" altLang="en-US" dirty="0"/>
-              <a:t>免费的 </a:t>
-            </a:r>
-            <a:r>
-              <a:rPr lang="en-US" altLang="zh-CN" dirty="0" err="1"/>
-              <a:t>FreeRTOS</a:t>
-            </a:r>
-            <a:r>
-              <a:rPr lang="en-US" altLang="zh-CN" dirty="0"/>
-              <a:t> </a:t>
-            </a:r>
-            <a:r>
-              <a:rPr lang="zh-CN" altLang="en-US" dirty="0"/>
-              <a:t>的市场占有率最高。如今国产的 </a:t>
-            </a:r>
-            <a:r>
-              <a:rPr lang="en-US" altLang="zh-CN" dirty="0"/>
-              <a:t>RT-Thread </a:t>
-            </a:r>
-            <a:r>
-              <a:rPr lang="zh-CN" altLang="en-US" dirty="0"/>
-              <a:t>经过 </a:t>
-            </a:r>
-            <a:r>
-              <a:rPr lang="en-US" altLang="zh-CN" dirty="0"/>
-              <a:t>10 </a:t>
-            </a:r>
-            <a:r>
-              <a:rPr lang="zh-CN" altLang="en-US" dirty="0"/>
-              <a:t>来年的发展，</a:t>
-            </a:r>
-            <a:r>
-              <a:rPr lang="zh-CN" altLang="en-US" dirty="0" smtClean="0"/>
-              <a:t>声势迅猛</a:t>
-            </a:r>
-            <a:r>
-              <a:rPr lang="zh-CN" altLang="en-US" dirty="0"/>
-              <a:t>，在国产 </a:t>
-            </a:r>
-            <a:r>
-              <a:rPr lang="en-US" altLang="zh-CN" dirty="0"/>
-              <a:t>RTOS </a:t>
-            </a:r>
-            <a:r>
-              <a:rPr lang="zh-CN" altLang="en-US" dirty="0"/>
-              <a:t>中占据鳌头。 </a:t>
-            </a:r>
-            <a:br>
-              <a:rPr lang="zh-CN" altLang="en-US" dirty="0"/>
-            </a:br>
-            <a:endParaRPr lang="zh-CN" altLang="en-US" dirty="0"/>
-          </a:p>
-        </p:txBody>
-      </p:sp>
+        </p:nvGraphicFramePr>
+        <p:xfrm>
+          <a:off x="763537" y="1340768"/>
+          <a:ext cx="7408863" cy="4577080"/>
+        </p:xfrm>
+        <a:graphic>
+          <a:graphicData uri="http://schemas.openxmlformats.org/drawingml/2006/table">
+            <a:tbl>
+              <a:tblPr firstRow="1" bandRow="1">
+                <a:tableStyleId>{5C22544A-7EE6-4342-B048-85BDC9FD1C3A}</a:tableStyleId>
+              </a:tblPr>
+              <a:tblGrid>
+                <a:gridCol w="1108174"/>
+                <a:gridCol w="2808312"/>
+                <a:gridCol w="3492377"/>
+              </a:tblGrid>
+              <a:tr h="370840">
+                <a:tc>
+                  <a:txBody>
+                    <a:bodyPr/>
+                    <a:lstStyle/>
+                    <a:p>
+                      <a:endParaRPr lang="zh-CN" altLang="en-US" dirty="0"/>
+                    </a:p>
+                  </a:txBody>
+                  <a:tcPr/>
+                </a:tc>
+                <a:tc>
+                  <a:txBody>
+                    <a:bodyPr/>
+                    <a:lstStyle/>
+                    <a:p>
+                      <a:r>
+                        <a:rPr lang="zh-CN" altLang="en-US" dirty="0" smtClean="0"/>
+                        <a:t>前后台系统</a:t>
+                      </a:r>
+                      <a:endParaRPr lang="zh-CN" altLang="en-US" dirty="0"/>
+                    </a:p>
+                  </a:txBody>
+                  <a:tcPr/>
+                </a:tc>
+                <a:tc>
+                  <a:txBody>
+                    <a:bodyPr/>
+                    <a:lstStyle/>
+                    <a:p>
+                      <a:r>
+                        <a:rPr lang="zh-CN" altLang="en-US" dirty="0" smtClean="0"/>
+                        <a:t>实时操作系统</a:t>
+                      </a:r>
+                      <a:endParaRPr lang="zh-CN" altLang="en-US" dirty="0"/>
+                    </a:p>
+                  </a:txBody>
+                  <a:tcPr/>
+                </a:tc>
+              </a:tr>
+              <a:tr h="370840">
+                <a:tc>
+                  <a:txBody>
+                    <a:bodyPr/>
+                    <a:lstStyle/>
+                    <a:p>
+                      <a:r>
+                        <a:rPr lang="zh-CN" altLang="en-US" dirty="0" smtClean="0"/>
+                        <a:t>资源</a:t>
+                      </a:r>
+                      <a:endParaRPr lang="zh-CN" altLang="en-US" dirty="0"/>
+                    </a:p>
+                  </a:txBody>
+                  <a:tcPr/>
+                </a:tc>
+                <a:tc>
+                  <a:txBody>
+                    <a:bodyPr/>
+                    <a:lstStyle/>
+                    <a:p>
+                      <a:r>
+                        <a:rPr lang="zh-CN" altLang="en-US" dirty="0" smtClean="0"/>
+                        <a:t>不需要分配空间给</a:t>
+                      </a:r>
+                      <a:r>
+                        <a:rPr lang="en-US" altLang="zh-CN" dirty="0" err="1" smtClean="0"/>
+                        <a:t>os</a:t>
+                      </a:r>
+                      <a:endParaRPr lang="zh-CN" altLang="en-US" dirty="0"/>
+                    </a:p>
+                  </a:txBody>
+                  <a:tcPr/>
+                </a:tc>
+                <a:tc>
+                  <a:txBody>
+                    <a:bodyPr/>
+                    <a:lstStyle/>
+                    <a:p>
+                      <a:r>
+                        <a:rPr lang="zh-CN" altLang="en-US" sz="1800" kern="1200" dirty="0">
+                          <a:solidFill>
+                            <a:schemeClr val="dk1"/>
+                          </a:solidFill>
+                          <a:latin typeface="+mn-lt"/>
+                          <a:ea typeface="+mn-ea"/>
+                          <a:cs typeface="+mn-cs"/>
+                        </a:rPr>
+                        <a:t>需要分配资源给</a:t>
+                      </a:r>
+                      <a:r>
+                        <a:rPr lang="en-US" altLang="zh-CN" sz="1800" kern="1200" dirty="0">
+                          <a:solidFill>
+                            <a:schemeClr val="dk1"/>
+                          </a:solidFill>
+                          <a:latin typeface="+mn-lt"/>
+                          <a:ea typeface="+mn-ea"/>
+                          <a:cs typeface="+mn-cs"/>
+                        </a:rPr>
+                        <a:t>OS</a:t>
+                      </a:r>
+                      <a:r>
+                        <a:rPr lang="en-US" altLang="zh-CN" sz="1800" kern="1200" dirty="0" smtClean="0">
+                          <a:solidFill>
+                            <a:schemeClr val="dk1"/>
+                          </a:solidFill>
+                          <a:latin typeface="+mn-lt"/>
+                          <a:ea typeface="+mn-ea"/>
+                          <a:cs typeface="+mn-cs"/>
+                        </a:rPr>
+                        <a:t>(</a:t>
+                      </a:r>
+                      <a:r>
+                        <a:rPr lang="zh-CN" altLang="en-US" sz="1800" kern="1200" dirty="0" smtClean="0">
+                          <a:solidFill>
+                            <a:schemeClr val="dk1"/>
+                          </a:solidFill>
+                          <a:latin typeface="+mn-lt"/>
+                          <a:ea typeface="+mn-ea"/>
+                          <a:cs typeface="+mn-cs"/>
+                        </a:rPr>
+                        <a:t>不同的系统内核</a:t>
+                      </a:r>
+                      <a:r>
+                        <a:rPr lang="zh-CN" altLang="en-US" sz="1800" kern="1200" dirty="0">
+                          <a:solidFill>
+                            <a:schemeClr val="dk1"/>
+                          </a:solidFill>
+                          <a:latin typeface="+mn-lt"/>
+                          <a:ea typeface="+mn-ea"/>
+                          <a:cs typeface="+mn-cs"/>
+                        </a:rPr>
+                        <a:t>资源</a:t>
+                      </a:r>
+                      <a:r>
+                        <a:rPr lang="zh-CN" altLang="en-US" sz="1800" kern="1200" dirty="0" smtClean="0">
+                          <a:solidFill>
+                            <a:schemeClr val="dk1"/>
+                          </a:solidFill>
+                          <a:latin typeface="+mn-lt"/>
+                          <a:ea typeface="+mn-ea"/>
+                          <a:cs typeface="+mn-cs"/>
+                        </a:rPr>
+                        <a:t>使用情况不同</a:t>
+                      </a:r>
+                      <a:r>
+                        <a:rPr lang="en-US" altLang="zh-CN" sz="1800" kern="1200" dirty="0" smtClean="0">
+                          <a:solidFill>
+                            <a:schemeClr val="dk1"/>
+                          </a:solidFill>
+                          <a:latin typeface="+mn-lt"/>
+                          <a:ea typeface="+mn-ea"/>
+                          <a:cs typeface="+mn-cs"/>
+                        </a:rPr>
+                        <a:t>)</a:t>
+                      </a:r>
+                      <a:r>
+                        <a:rPr lang="zh-CN" altLang="en-US" sz="1800" kern="1200" dirty="0" smtClean="0">
+                          <a:solidFill>
+                            <a:schemeClr val="dk1"/>
+                          </a:solidFill>
+                          <a:latin typeface="+mn-lt"/>
+                          <a:ea typeface="+mn-ea"/>
+                          <a:cs typeface="+mn-cs"/>
+                        </a:rPr>
+                        <a:t>，内核资源也有不同，可通过配置文件进行配置</a:t>
+                      </a:r>
+                      <a:endParaRPr lang="zh-CN" altLang="en-US" sz="1800" kern="1200" dirty="0">
+                        <a:solidFill>
+                          <a:schemeClr val="dk1"/>
+                        </a:solidFill>
+                        <a:latin typeface="+mn-lt"/>
+                        <a:ea typeface="+mn-ea"/>
+                        <a:cs typeface="+mn-cs"/>
+                      </a:endParaRPr>
+                    </a:p>
+                  </a:txBody>
+                  <a:tcPr anchor="ctr"/>
+                </a:tc>
+              </a:tr>
+              <a:tr h="370840">
+                <a:tc>
+                  <a:txBody>
+                    <a:bodyPr/>
+                    <a:lstStyle/>
+                    <a:p>
+                      <a:r>
+                        <a:rPr lang="zh-CN" altLang="en-US" dirty="0" smtClean="0"/>
+                        <a:t>学习难度</a:t>
+                      </a:r>
+                      <a:endParaRPr lang="zh-CN" altLang="en-US" dirty="0"/>
+                    </a:p>
+                  </a:txBody>
+                  <a:tcPr/>
+                </a:tc>
+                <a:tc>
+                  <a:txBody>
+                    <a:bodyPr/>
+                    <a:lstStyle/>
+                    <a:p>
+                      <a:pPr marL="0" algn="l" defTabSz="914400" rtl="0" eaLnBrk="1" latinLnBrk="0" hangingPunct="1"/>
+                      <a:r>
+                        <a:rPr lang="zh-CN" altLang="en-US" sz="1800" kern="1200" dirty="0" smtClean="0">
+                          <a:solidFill>
+                            <a:schemeClr val="dk1"/>
+                          </a:solidFill>
+                          <a:latin typeface="+mn-lt"/>
+                          <a:ea typeface="+mn-ea"/>
+                          <a:cs typeface="+mn-cs"/>
+                        </a:rPr>
+                        <a:t>不需要学习</a:t>
+                      </a:r>
+                      <a:r>
+                        <a:rPr lang="en-US" altLang="zh-CN" sz="1800" kern="1200" dirty="0" smtClean="0">
+                          <a:solidFill>
+                            <a:schemeClr val="dk1"/>
+                          </a:solidFill>
+                          <a:latin typeface="+mn-lt"/>
+                          <a:ea typeface="+mn-ea"/>
+                          <a:cs typeface="+mn-cs"/>
+                        </a:rPr>
+                        <a:t>OS</a:t>
+                      </a:r>
+                      <a:r>
+                        <a:rPr lang="zh-CN" altLang="en-US" sz="1800" kern="1200" dirty="0" smtClean="0">
+                          <a:solidFill>
+                            <a:schemeClr val="dk1"/>
+                          </a:solidFill>
+                          <a:latin typeface="+mn-lt"/>
+                          <a:ea typeface="+mn-ea"/>
+                          <a:cs typeface="+mn-cs"/>
+                        </a:rPr>
+                        <a:t>的</a:t>
+                      </a:r>
+                      <a:r>
+                        <a:rPr lang="en-US" altLang="zh-CN" sz="1800" kern="1200" dirty="0" smtClean="0">
+                          <a:solidFill>
+                            <a:schemeClr val="dk1"/>
+                          </a:solidFill>
+                          <a:latin typeface="+mn-lt"/>
+                          <a:ea typeface="+mn-ea"/>
+                          <a:cs typeface="+mn-cs"/>
+                        </a:rPr>
+                        <a:t>API</a:t>
+                      </a:r>
+                      <a:r>
+                        <a:rPr lang="zh-CN" altLang="en-US" sz="1800" kern="1200" dirty="0" smtClean="0">
+                          <a:solidFill>
+                            <a:schemeClr val="dk1"/>
+                          </a:solidFill>
+                          <a:latin typeface="+mn-lt"/>
+                          <a:ea typeface="+mn-ea"/>
+                          <a:cs typeface="+mn-cs"/>
+                        </a:rPr>
+                        <a:t>，简单上手</a:t>
+                      </a:r>
+                      <a:endParaRPr lang="zh-CN" altLang="en-US" sz="1800" kern="1200" dirty="0">
+                        <a:solidFill>
+                          <a:schemeClr val="dk1"/>
+                        </a:solidFill>
+                        <a:latin typeface="+mn-lt"/>
+                        <a:ea typeface="+mn-ea"/>
+                        <a:cs typeface="+mn-cs"/>
+                      </a:endParaRPr>
+                    </a:p>
+                  </a:txBody>
+                  <a:tcPr anchor="ctr"/>
+                </a:tc>
+                <a:tc>
+                  <a:txBody>
+                    <a:bodyPr/>
+                    <a:lstStyle/>
+                    <a:p>
+                      <a:pPr marL="0" algn="l" defTabSz="914400" rtl="0" eaLnBrk="1" latinLnBrk="0" hangingPunct="1"/>
+                      <a:r>
+                        <a:rPr lang="zh-CN" altLang="en-US" sz="1800" kern="1200" dirty="0">
+                          <a:solidFill>
+                            <a:schemeClr val="dk1"/>
+                          </a:solidFill>
+                          <a:latin typeface="+mn-lt"/>
+                          <a:ea typeface="+mn-ea"/>
+                          <a:cs typeface="+mn-cs"/>
+                        </a:rPr>
+                        <a:t>开发者需要熟悉</a:t>
+                      </a:r>
+                      <a:r>
+                        <a:rPr lang="en-US" altLang="zh-CN" sz="1800" kern="1200" dirty="0">
+                          <a:solidFill>
+                            <a:schemeClr val="dk1"/>
+                          </a:solidFill>
+                          <a:latin typeface="+mn-lt"/>
+                          <a:ea typeface="+mn-ea"/>
+                          <a:cs typeface="+mn-cs"/>
+                        </a:rPr>
+                        <a:t>OS</a:t>
+                      </a:r>
+                      <a:r>
+                        <a:rPr lang="zh-CN" altLang="en-US" sz="1800" kern="1200" dirty="0">
+                          <a:solidFill>
+                            <a:schemeClr val="dk1"/>
+                          </a:solidFill>
+                          <a:latin typeface="+mn-lt"/>
+                          <a:ea typeface="+mn-ea"/>
+                          <a:cs typeface="+mn-cs"/>
+                        </a:rPr>
+                        <a:t>的基本</a:t>
+                      </a:r>
+                      <a:r>
+                        <a:rPr lang="zh-CN" altLang="en-US" sz="1800" kern="1200" dirty="0" smtClean="0">
+                          <a:solidFill>
+                            <a:schemeClr val="dk1"/>
+                          </a:solidFill>
+                          <a:latin typeface="+mn-lt"/>
+                          <a:ea typeface="+mn-ea"/>
+                          <a:cs typeface="+mn-cs"/>
+                        </a:rPr>
+                        <a:t>操作</a:t>
+                      </a:r>
+                      <a:r>
+                        <a:rPr lang="en-US" altLang="zh-CN" sz="1800" kern="1200" dirty="0" smtClean="0">
+                          <a:solidFill>
+                            <a:schemeClr val="dk1"/>
+                          </a:solidFill>
+                          <a:latin typeface="+mn-lt"/>
+                          <a:ea typeface="+mn-ea"/>
+                          <a:cs typeface="+mn-cs"/>
+                        </a:rPr>
+                        <a:t>(</a:t>
+                      </a:r>
+                      <a:r>
+                        <a:rPr lang="zh-CN" altLang="en-US" sz="1800" kern="1200" dirty="0" smtClean="0">
+                          <a:solidFill>
+                            <a:schemeClr val="dk1"/>
+                          </a:solidFill>
+                          <a:latin typeface="+mn-lt"/>
+                          <a:ea typeface="+mn-ea"/>
+                          <a:cs typeface="+mn-cs"/>
+                        </a:rPr>
+                        <a:t>线程建立</a:t>
+                      </a:r>
+                      <a:r>
+                        <a:rPr lang="en-US" altLang="zh-CN" sz="1800" kern="1200" dirty="0">
+                          <a:solidFill>
+                            <a:schemeClr val="dk1"/>
+                          </a:solidFill>
+                          <a:latin typeface="+mn-lt"/>
+                          <a:ea typeface="+mn-ea"/>
+                          <a:cs typeface="+mn-cs"/>
+                        </a:rPr>
+                        <a:t>/</a:t>
+                      </a:r>
+                      <a:r>
+                        <a:rPr lang="zh-CN" altLang="en-US" sz="1800" kern="1200" dirty="0">
+                          <a:solidFill>
+                            <a:schemeClr val="dk1"/>
+                          </a:solidFill>
+                          <a:latin typeface="+mn-lt"/>
+                          <a:ea typeface="+mn-ea"/>
+                          <a:cs typeface="+mn-cs"/>
+                        </a:rPr>
+                        <a:t>删除</a:t>
+                      </a:r>
+                      <a:r>
+                        <a:rPr lang="zh-CN" altLang="en-US" sz="1800" kern="1200" dirty="0" smtClean="0">
+                          <a:solidFill>
+                            <a:schemeClr val="dk1"/>
+                          </a:solidFill>
+                          <a:latin typeface="+mn-lt"/>
+                          <a:ea typeface="+mn-ea"/>
+                          <a:cs typeface="+mn-cs"/>
+                        </a:rPr>
+                        <a:t>、线程间</a:t>
+                      </a:r>
+                      <a:r>
+                        <a:rPr lang="zh-CN" altLang="en-US" sz="1800" kern="1200" dirty="0" smtClean="0">
+                          <a:solidFill>
+                            <a:schemeClr val="dk1"/>
+                          </a:solidFill>
+                          <a:latin typeface="+mn-lt"/>
+                          <a:ea typeface="+mn-ea"/>
+                          <a:cs typeface="+mn-cs"/>
+                        </a:rPr>
+                        <a:t>通讯、优先级</a:t>
+                      </a:r>
+                      <a:r>
+                        <a:rPr lang="zh-CN" altLang="en-US" sz="1800" kern="1200" dirty="0">
+                          <a:solidFill>
+                            <a:schemeClr val="dk1"/>
+                          </a:solidFill>
+                          <a:latin typeface="+mn-lt"/>
+                          <a:ea typeface="+mn-ea"/>
+                          <a:cs typeface="+mn-cs"/>
+                        </a:rPr>
+                        <a:t>处理、</a:t>
+                      </a:r>
+                      <a:r>
+                        <a:rPr lang="zh-CN" altLang="en-US" sz="1800" kern="1200" dirty="0" smtClean="0">
+                          <a:solidFill>
+                            <a:schemeClr val="dk1"/>
+                          </a:solidFill>
+                          <a:latin typeface="+mn-lt"/>
+                          <a:ea typeface="+mn-ea"/>
+                          <a:cs typeface="+mn-cs"/>
+                        </a:rPr>
+                        <a:t>中断处理</a:t>
+                      </a:r>
+                      <a:r>
+                        <a:rPr lang="en-US" altLang="zh-CN" sz="1800" kern="1200" dirty="0" smtClean="0">
+                          <a:solidFill>
+                            <a:schemeClr val="dk1"/>
+                          </a:solidFill>
+                          <a:latin typeface="+mn-lt"/>
+                          <a:ea typeface="+mn-ea"/>
+                          <a:cs typeface="+mn-cs"/>
+                        </a:rPr>
+                        <a:t>…)</a:t>
+                      </a:r>
+                      <a:endParaRPr lang="zh-CN" altLang="en-US" sz="1800" kern="1200" dirty="0">
+                        <a:solidFill>
+                          <a:schemeClr val="dk1"/>
+                        </a:solidFill>
+                        <a:latin typeface="+mn-lt"/>
+                        <a:ea typeface="+mn-ea"/>
+                        <a:cs typeface="+mn-cs"/>
+                      </a:endParaRPr>
+                    </a:p>
+                  </a:txBody>
+                  <a:tcPr anchor="ctr"/>
+                </a:tc>
+              </a:tr>
+              <a:tr h="370840">
+                <a:tc>
+                  <a:txBody>
+                    <a:bodyPr/>
+                    <a:lstStyle/>
+                    <a:p>
+                      <a:pPr marL="0" algn="l" defTabSz="914400" rtl="0" eaLnBrk="1" latinLnBrk="0" hangingPunct="1"/>
+                      <a:r>
+                        <a:rPr lang="zh-CN" altLang="en-US" sz="1800" kern="1200" dirty="0" smtClean="0">
+                          <a:solidFill>
+                            <a:schemeClr val="dk1"/>
+                          </a:solidFill>
+                          <a:latin typeface="+mn-lt"/>
+                          <a:ea typeface="+mn-ea"/>
+                          <a:cs typeface="+mn-cs"/>
+                        </a:rPr>
+                        <a:t>实时性</a:t>
+                      </a:r>
+                      <a:endParaRPr lang="zh-CN" altLang="en-US" sz="1800" kern="1200" dirty="0">
+                        <a:solidFill>
+                          <a:schemeClr val="dk1"/>
+                        </a:solidFill>
+                        <a:latin typeface="+mn-lt"/>
+                        <a:ea typeface="+mn-ea"/>
+                        <a:cs typeface="+mn-cs"/>
+                      </a:endParaRPr>
+                    </a:p>
+                  </a:txBody>
+                  <a:tcPr/>
+                </a:tc>
+                <a:tc>
+                  <a:txBody>
+                    <a:bodyPr/>
+                    <a:lstStyle/>
+                    <a:p>
+                      <a:pPr marL="0" algn="l" defTabSz="914400" rtl="0" eaLnBrk="1" latinLnBrk="0" hangingPunct="1"/>
+                      <a:r>
+                        <a:rPr lang="zh-CN" altLang="en-US" sz="1800" kern="1200" dirty="0">
+                          <a:solidFill>
+                            <a:schemeClr val="dk1"/>
+                          </a:solidFill>
+                          <a:latin typeface="+mn-lt"/>
+                          <a:ea typeface="+mn-ea"/>
+                          <a:cs typeface="+mn-cs"/>
+                        </a:rPr>
+                        <a:t>难以确保每个操作</a:t>
+                      </a:r>
+                      <a:r>
+                        <a:rPr lang="zh-CN" altLang="en-US" sz="1800" kern="1200" dirty="0" smtClean="0">
+                          <a:solidFill>
+                            <a:schemeClr val="dk1"/>
+                          </a:solidFill>
+                          <a:latin typeface="+mn-lt"/>
+                          <a:ea typeface="+mn-ea"/>
+                          <a:cs typeface="+mn-cs"/>
+                        </a:rPr>
+                        <a:t>能够实时响应，</a:t>
+                      </a:r>
+                      <a:r>
+                        <a:rPr lang="zh-CN" altLang="en-US" sz="1800" kern="1200" dirty="0">
+                          <a:solidFill>
+                            <a:schemeClr val="dk1"/>
+                          </a:solidFill>
+                          <a:latin typeface="+mn-lt"/>
+                          <a:ea typeface="+mn-ea"/>
+                          <a:cs typeface="+mn-cs"/>
+                        </a:rPr>
+                        <a:t>如果一个</a:t>
+                      </a:r>
+                      <a:r>
+                        <a:rPr lang="zh-CN" altLang="en-US" sz="1800" kern="1200" dirty="0" smtClean="0">
+                          <a:solidFill>
+                            <a:schemeClr val="dk1"/>
+                          </a:solidFill>
+                          <a:latin typeface="+mn-lt"/>
+                          <a:ea typeface="+mn-ea"/>
+                          <a:cs typeface="+mn-cs"/>
+                        </a:rPr>
+                        <a:t>函数</a:t>
+                      </a:r>
+                      <a:r>
+                        <a:rPr lang="zh-CN" altLang="en-US" sz="1800" kern="1200" dirty="0">
+                          <a:solidFill>
+                            <a:schemeClr val="dk1"/>
+                          </a:solidFill>
+                          <a:latin typeface="+mn-lt"/>
+                          <a:ea typeface="+mn-ea"/>
+                          <a:cs typeface="+mn-cs"/>
+                        </a:rPr>
+                        <a:t>花费过长时间，将</a:t>
+                      </a:r>
+                      <a:r>
+                        <a:rPr lang="zh-CN" altLang="en-US" sz="1800" kern="1200" dirty="0" smtClean="0">
+                          <a:solidFill>
+                            <a:schemeClr val="dk1"/>
+                          </a:solidFill>
+                          <a:latin typeface="+mn-lt"/>
+                          <a:ea typeface="+mn-ea"/>
+                          <a:cs typeface="+mn-cs"/>
+                        </a:rPr>
+                        <a:t>使整个</a:t>
+                      </a:r>
+                      <a:r>
+                        <a:rPr lang="zh-CN" altLang="en-US" sz="1800" kern="1200" dirty="0">
+                          <a:solidFill>
+                            <a:schemeClr val="dk1"/>
+                          </a:solidFill>
+                          <a:latin typeface="+mn-lt"/>
+                          <a:ea typeface="+mn-ea"/>
+                          <a:cs typeface="+mn-cs"/>
+                        </a:rPr>
+                        <a:t>系统的实时性</a:t>
+                      </a:r>
+                      <a:r>
+                        <a:rPr lang="zh-CN" altLang="en-US" sz="1800" kern="1200" dirty="0" smtClean="0">
+                          <a:solidFill>
+                            <a:schemeClr val="dk1"/>
+                          </a:solidFill>
+                          <a:latin typeface="+mn-lt"/>
+                          <a:ea typeface="+mn-ea"/>
+                          <a:cs typeface="+mn-cs"/>
+                        </a:rPr>
+                        <a:t>下降</a:t>
+                      </a:r>
+                      <a:endParaRPr lang="en-US" altLang="zh-CN" sz="1800" kern="1200" dirty="0" smtClean="0">
+                        <a:solidFill>
+                          <a:schemeClr val="dk1"/>
+                        </a:solidFill>
+                        <a:latin typeface="+mn-lt"/>
+                        <a:ea typeface="+mn-ea"/>
+                        <a:cs typeface="+mn-cs"/>
+                      </a:endParaRPr>
+                    </a:p>
+                    <a:p>
+                      <a:pPr marL="0" algn="l" defTabSz="914400" rtl="0" eaLnBrk="1" latinLnBrk="0" hangingPunct="1"/>
+                      <a:r>
+                        <a:rPr lang="zh-CN" altLang="en-US" sz="1800" kern="1200" dirty="0" smtClean="0">
+                          <a:solidFill>
+                            <a:srgbClr val="FF0000"/>
+                          </a:solidFill>
+                          <a:latin typeface="+mn-lt"/>
+                          <a:ea typeface="+mn-ea"/>
+                          <a:cs typeface="+mn-cs"/>
+                        </a:rPr>
+                        <a:t>实时响应，轮询处理</a:t>
+                      </a:r>
+                      <a:endParaRPr lang="zh-CN" altLang="en-US" sz="1800" kern="1200" dirty="0">
+                        <a:solidFill>
+                          <a:srgbClr val="FF0000"/>
+                        </a:solidFill>
+                        <a:latin typeface="+mn-lt"/>
+                        <a:ea typeface="+mn-ea"/>
+                        <a:cs typeface="+mn-cs"/>
+                      </a:endParaRPr>
+                    </a:p>
+                  </a:txBody>
+                  <a:tcPr anchor="ctr"/>
+                </a:tc>
+                <a:tc>
+                  <a:txBody>
+                    <a:bodyPr/>
+                    <a:lstStyle/>
+                    <a:p>
+                      <a:pPr marL="0" algn="l" defTabSz="914400" rtl="0" eaLnBrk="1" latinLnBrk="0" hangingPunct="1"/>
+                      <a:r>
+                        <a:rPr lang="zh-CN" altLang="en-US" sz="1800" kern="1200" dirty="0">
+                          <a:solidFill>
+                            <a:schemeClr val="dk1"/>
+                          </a:solidFill>
+                          <a:latin typeface="+mn-lt"/>
+                          <a:ea typeface="+mn-ea"/>
+                          <a:cs typeface="+mn-cs"/>
+                        </a:rPr>
+                        <a:t>实时嵌入式</a:t>
+                      </a:r>
+                      <a:r>
+                        <a:rPr lang="en-US" altLang="zh-CN" sz="1800" kern="1200" dirty="0">
+                          <a:solidFill>
+                            <a:schemeClr val="dk1"/>
+                          </a:solidFill>
+                          <a:latin typeface="+mn-lt"/>
+                          <a:ea typeface="+mn-ea"/>
+                          <a:cs typeface="+mn-cs"/>
+                        </a:rPr>
+                        <a:t>OS</a:t>
+                      </a:r>
+                      <a:r>
+                        <a:rPr lang="zh-CN" altLang="en-US" sz="1800" kern="1200" dirty="0">
+                          <a:solidFill>
+                            <a:schemeClr val="dk1"/>
+                          </a:solidFill>
+                          <a:latin typeface="+mn-lt"/>
+                          <a:ea typeface="+mn-ea"/>
+                          <a:cs typeface="+mn-cs"/>
+                        </a:rPr>
+                        <a:t>的调度算法可以</a:t>
+                      </a:r>
+                      <a:br>
+                        <a:rPr lang="zh-CN" altLang="en-US" sz="1800" kern="1200" dirty="0">
+                          <a:solidFill>
+                            <a:schemeClr val="dk1"/>
+                          </a:solidFill>
+                          <a:latin typeface="+mn-lt"/>
+                          <a:ea typeface="+mn-ea"/>
+                          <a:cs typeface="+mn-cs"/>
+                        </a:rPr>
+                      </a:br>
+                      <a:r>
+                        <a:rPr lang="zh-CN" altLang="en-US" sz="1800" kern="1200" dirty="0">
+                          <a:solidFill>
+                            <a:schemeClr val="dk1"/>
+                          </a:solidFill>
+                          <a:latin typeface="+mn-lt"/>
+                          <a:ea typeface="+mn-ea"/>
+                          <a:cs typeface="+mn-cs"/>
+                        </a:rPr>
+                        <a:t>最大程度保证系统的实时</a:t>
+                      </a:r>
+                      <a:r>
+                        <a:rPr lang="zh-CN" altLang="en-US" sz="1800" kern="1200" dirty="0" smtClean="0">
+                          <a:solidFill>
+                            <a:schemeClr val="dk1"/>
+                          </a:solidFill>
+                          <a:latin typeface="+mn-lt"/>
+                          <a:ea typeface="+mn-ea"/>
+                          <a:cs typeface="+mn-cs"/>
+                        </a:rPr>
+                        <a:t>性</a:t>
+                      </a:r>
+                      <a:endParaRPr lang="en-US" altLang="zh-CN" sz="1800" kern="1200" dirty="0" smtClean="0">
+                        <a:solidFill>
+                          <a:schemeClr val="dk1"/>
+                        </a:solidFill>
+                        <a:latin typeface="+mn-lt"/>
+                        <a:ea typeface="+mn-ea"/>
+                        <a:cs typeface="+mn-cs"/>
+                      </a:endParaRPr>
+                    </a:p>
+                    <a:p>
+                      <a:pPr marL="0" marR="0" indent="0" algn="l" defTabSz="914400" rtl="0" eaLnBrk="1" fontAlgn="auto" latinLnBrk="0" hangingPunct="1">
+                        <a:lnSpc>
+                          <a:spcPct val="100000"/>
+                        </a:lnSpc>
+                        <a:spcBef>
+                          <a:spcPts val="0"/>
+                        </a:spcBef>
+                        <a:spcAft>
+                          <a:spcPts val="0"/>
+                        </a:spcAft>
+                        <a:buClrTx/>
+                        <a:buSzTx/>
+                        <a:buFontTx/>
+                        <a:buNone/>
+                        <a:tabLst/>
+                        <a:defRPr/>
+                      </a:pPr>
+                      <a:r>
+                        <a:rPr lang="zh-CN" altLang="en-US" sz="1800" kern="1200" dirty="0" smtClean="0">
+                          <a:solidFill>
+                            <a:srgbClr val="FF0000"/>
+                          </a:solidFill>
+                          <a:latin typeface="+mn-lt"/>
+                          <a:ea typeface="+mn-ea"/>
+                          <a:cs typeface="+mn-cs"/>
+                        </a:rPr>
+                        <a:t>实时响应，实时处理</a:t>
+                      </a:r>
+                    </a:p>
+                    <a:p>
+                      <a:pPr marL="0" algn="l" defTabSz="914400" rtl="0" eaLnBrk="1" latinLnBrk="0" hangingPunct="1"/>
+                      <a:endParaRPr lang="zh-CN" altLang="en-US" sz="1800" kern="1200" dirty="0">
+                        <a:solidFill>
+                          <a:schemeClr val="dk1"/>
+                        </a:solidFill>
+                        <a:latin typeface="+mn-lt"/>
+                        <a:ea typeface="+mn-ea"/>
+                        <a:cs typeface="+mn-cs"/>
+                      </a:endParaRPr>
+                    </a:p>
+                  </a:txBody>
+                  <a:tcPr anchor="ctr"/>
+                </a:tc>
+              </a:tr>
+              <a:tr h="370840">
+                <a:tc>
+                  <a:txBody>
+                    <a:bodyPr/>
+                    <a:lstStyle/>
+                    <a:p>
+                      <a:pPr marL="0" algn="l" defTabSz="914400" rtl="0" eaLnBrk="1" latinLnBrk="0" hangingPunct="1"/>
+                      <a:r>
+                        <a:rPr lang="zh-CN" altLang="en-US" sz="1800" kern="1200" dirty="0" smtClean="0">
+                          <a:solidFill>
+                            <a:schemeClr val="dk1"/>
+                          </a:solidFill>
+                          <a:latin typeface="+mn-lt"/>
+                          <a:ea typeface="+mn-ea"/>
+                          <a:cs typeface="+mn-cs"/>
+                        </a:rPr>
+                        <a:t>可扩展性、可维护性</a:t>
+                      </a:r>
+                      <a:endParaRPr lang="zh-CN" altLang="en-US" sz="1800" kern="1200" dirty="0">
+                        <a:solidFill>
+                          <a:schemeClr val="dk1"/>
+                        </a:solidFill>
+                        <a:latin typeface="+mn-lt"/>
+                        <a:ea typeface="+mn-ea"/>
+                        <a:cs typeface="+mn-cs"/>
+                      </a:endParaRPr>
+                    </a:p>
+                  </a:txBody>
+                  <a:tcPr/>
+                </a:tc>
+                <a:tc>
+                  <a:txBody>
+                    <a:bodyPr/>
+                    <a:lstStyle/>
+                    <a:p>
+                      <a:pPr marL="0" algn="l" defTabSz="914400" rtl="0" eaLnBrk="1" latinLnBrk="0" hangingPunct="1"/>
+                      <a:r>
+                        <a:rPr lang="zh-CN" altLang="en-US" sz="1800" kern="1200" dirty="0" smtClean="0">
+                          <a:solidFill>
+                            <a:schemeClr val="dk1"/>
+                          </a:solidFill>
+                          <a:latin typeface="+mn-lt"/>
+                          <a:ea typeface="+mn-ea"/>
+                          <a:cs typeface="+mn-cs"/>
+                        </a:rPr>
+                        <a:t>可拓展性差、可维护性差</a:t>
+                      </a:r>
+                      <a:endParaRPr lang="zh-CN" altLang="en-US" sz="1800" kern="1200" dirty="0">
+                        <a:solidFill>
+                          <a:schemeClr val="dk1"/>
+                        </a:solidFill>
+                        <a:latin typeface="+mn-lt"/>
+                        <a:ea typeface="+mn-ea"/>
+                        <a:cs typeface="+mn-cs"/>
+                      </a:endParaRPr>
+                    </a:p>
+                  </a:txBody>
+                  <a:tcPr/>
+                </a:tc>
+                <a:tc>
+                  <a:txBody>
+                    <a:bodyPr/>
+                    <a:lstStyle/>
+                    <a:p>
+                      <a:pPr marL="0" algn="l" defTabSz="914400" rtl="0" eaLnBrk="1" latinLnBrk="0" hangingPunct="1"/>
+                      <a:r>
+                        <a:rPr lang="zh-CN" altLang="en-US" sz="1800" kern="1200" dirty="0">
+                          <a:solidFill>
+                            <a:schemeClr val="dk1"/>
+                          </a:solidFill>
+                          <a:latin typeface="+mn-lt"/>
+                          <a:ea typeface="+mn-ea"/>
+                          <a:cs typeface="+mn-cs"/>
+                        </a:rPr>
+                        <a:t>模块化、结构</a:t>
+                      </a:r>
+                      <a:r>
+                        <a:rPr lang="zh-CN" altLang="en-US" sz="1800" kern="1200" dirty="0" smtClean="0">
+                          <a:solidFill>
+                            <a:schemeClr val="dk1"/>
+                          </a:solidFill>
+                          <a:latin typeface="+mn-lt"/>
+                          <a:ea typeface="+mn-ea"/>
+                          <a:cs typeface="+mn-cs"/>
+                        </a:rPr>
+                        <a:t>清晰</a:t>
+                      </a:r>
+                      <a:endParaRPr lang="en-US" altLang="zh-CN" sz="1800" kern="1200" dirty="0" smtClean="0">
+                        <a:solidFill>
+                          <a:schemeClr val="dk1"/>
+                        </a:solidFill>
+                        <a:latin typeface="+mn-lt"/>
+                        <a:ea typeface="+mn-ea"/>
+                        <a:cs typeface="+mn-cs"/>
+                      </a:endParaRPr>
+                    </a:p>
+                  </a:txBody>
+                  <a:tcPr anchor="ctr"/>
+                </a:tc>
+              </a:tr>
+            </a:tbl>
+          </a:graphicData>
+        </a:graphic>
+      </p:graphicFrame>
     </p:spTree>
     <p:extLst>
       <p:ext uri="{BB962C8B-B14F-4D97-AF65-F5344CB8AC3E}">
-        <p14:creationId xmlns:p14="http://schemas.microsoft.com/office/powerpoint/2010/main" val="3028038668"/>
+        <p14:creationId xmlns:p14="http://schemas.microsoft.com/office/powerpoint/2010/main" val="20692077"/>
       </p:ext>
     </p:extLst>
   </p:cSld>
@@ -16304,6 +17011,302 @@
           <a:p>
             <a:r>
               <a:rPr lang="zh-CN" altLang="en-US" dirty="0" smtClean="0"/>
+              <a:t>目前常用的实时操作系统</a:t>
+            </a:r>
+            <a:endParaRPr lang="zh-CN" altLang="en-US" dirty="0"/>
+          </a:p>
+        </p:txBody>
+      </p:sp>
+      <p:sp>
+        <p:nvSpPr>
+          <p:cNvPr id="2" name="内容占位符 1"/>
+          <p:cNvSpPr>
+            <a:spLocks noGrp="1"/>
+          </p:cNvSpPr>
+          <p:nvPr>
+            <p:ph idx="1"/>
+          </p:nvPr>
+        </p:nvSpPr>
+        <p:spPr/>
+        <p:txBody>
+          <a:bodyPr/>
+          <a:lstStyle/>
+          <a:p>
+            <a:r>
+              <a:rPr lang="zh-CN" altLang="en-US" dirty="0"/>
+              <a:t>常用的 </a:t>
+            </a:r>
+            <a:r>
+              <a:rPr lang="en-US" altLang="zh-CN" dirty="0"/>
+              <a:t>RTOS </a:t>
+            </a:r>
+            <a:r>
+              <a:rPr lang="zh-CN" altLang="en-US" dirty="0"/>
+              <a:t>有国外的 </a:t>
+            </a:r>
+            <a:r>
+              <a:rPr lang="en-US" altLang="zh-CN" dirty="0" err="1"/>
+              <a:t>FreeRTOS</a:t>
+            </a:r>
+            <a:r>
+              <a:rPr lang="zh-CN" altLang="en-US" dirty="0" smtClean="0"/>
+              <a:t>、</a:t>
+            </a:r>
+            <a:r>
+              <a:rPr lang="el-GR" altLang="zh-CN" dirty="0" smtClean="0"/>
+              <a:t>μ</a:t>
+            </a:r>
+            <a:r>
+              <a:rPr lang="en-US" altLang="zh-CN" dirty="0"/>
+              <a:t>C/OS</a:t>
+            </a:r>
+            <a:r>
+              <a:rPr lang="zh-CN" altLang="en-US" dirty="0"/>
+              <a:t>、 </a:t>
+            </a:r>
+            <a:r>
+              <a:rPr lang="en-US" altLang="zh-CN" dirty="0"/>
+              <a:t>RTX </a:t>
+            </a:r>
+            <a:r>
+              <a:rPr lang="zh-CN" altLang="en-US" dirty="0"/>
+              <a:t>和国内的 </a:t>
+            </a:r>
+            <a:r>
+              <a:rPr lang="en-US" altLang="zh-CN" dirty="0"/>
+              <a:t>RT-Thread</a:t>
+            </a:r>
+            <a:r>
+              <a:rPr lang="zh-CN" altLang="en-US" dirty="0"/>
+              <a:t>、 </a:t>
+            </a:r>
+            <a:r>
+              <a:rPr lang="en-US" altLang="zh-CN" dirty="0"/>
+              <a:t>Huawei </a:t>
+            </a:r>
+            <a:r>
+              <a:rPr lang="en-US" altLang="zh-CN" dirty="0" err="1"/>
+              <a:t>LiteOS</a:t>
+            </a:r>
+            <a:r>
+              <a:rPr lang="en-US" altLang="zh-CN" dirty="0"/>
+              <a:t> </a:t>
+            </a:r>
+            <a:r>
+              <a:rPr lang="zh-CN" altLang="en-US" dirty="0"/>
+              <a:t>和 </a:t>
+            </a:r>
+            <a:r>
+              <a:rPr lang="en-US" altLang="zh-CN" dirty="0" err="1"/>
+              <a:t>AliOS</a:t>
+            </a:r>
+            <a:r>
+              <a:rPr lang="en-US" altLang="zh-CN" dirty="0"/>
+              <a:t>-Things </a:t>
+            </a:r>
+            <a:r>
+              <a:rPr lang="zh-CN" altLang="en-US" dirty="0"/>
+              <a:t>等， 其中尤以国外开</a:t>
+            </a:r>
+            <a:r>
+              <a:rPr lang="zh-CN" altLang="en-US" dirty="0" smtClean="0"/>
+              <a:t>源且</a:t>
+            </a:r>
+            <a:r>
+              <a:rPr lang="zh-CN" altLang="en-US" dirty="0"/>
+              <a:t>免费的 </a:t>
+            </a:r>
+            <a:r>
+              <a:rPr lang="en-US" altLang="zh-CN" dirty="0" err="1"/>
+              <a:t>FreeRTOS</a:t>
+            </a:r>
+            <a:r>
+              <a:rPr lang="en-US" altLang="zh-CN" dirty="0"/>
+              <a:t> </a:t>
+            </a:r>
+            <a:r>
+              <a:rPr lang="zh-CN" altLang="en-US" dirty="0"/>
+              <a:t>的市场占有率最高。如今国产的 </a:t>
+            </a:r>
+            <a:r>
+              <a:rPr lang="en-US" altLang="zh-CN" dirty="0"/>
+              <a:t>RT-Thread </a:t>
+            </a:r>
+            <a:r>
+              <a:rPr lang="zh-CN" altLang="en-US" dirty="0"/>
+              <a:t>经过 </a:t>
+            </a:r>
+            <a:r>
+              <a:rPr lang="en-US" altLang="zh-CN" dirty="0"/>
+              <a:t>10 </a:t>
+            </a:r>
+            <a:r>
+              <a:rPr lang="zh-CN" altLang="en-US" dirty="0"/>
+              <a:t>来年的发展，</a:t>
+            </a:r>
+            <a:r>
+              <a:rPr lang="zh-CN" altLang="en-US" dirty="0" smtClean="0"/>
+              <a:t>声势迅猛</a:t>
+            </a:r>
+            <a:r>
+              <a:rPr lang="zh-CN" altLang="en-US" dirty="0"/>
+              <a:t>，在国产 </a:t>
+            </a:r>
+            <a:r>
+              <a:rPr lang="en-US" altLang="zh-CN" dirty="0"/>
+              <a:t>RTOS </a:t>
+            </a:r>
+            <a:r>
+              <a:rPr lang="zh-CN" altLang="en-US" dirty="0"/>
+              <a:t>中占据鳌头。 </a:t>
+            </a:r>
+            <a:br>
+              <a:rPr lang="zh-CN" altLang="en-US" dirty="0"/>
+            </a:br>
+            <a:endParaRPr lang="zh-CN" altLang="en-US" dirty="0"/>
+          </a:p>
+        </p:txBody>
+      </p:sp>
+    </p:spTree>
+    <p:extLst>
+      <p:ext uri="{BB962C8B-B14F-4D97-AF65-F5344CB8AC3E}">
+        <p14:creationId xmlns:p14="http://schemas.microsoft.com/office/powerpoint/2010/main" val="3028038668"/>
+      </p:ext>
+    </p:extLst>
+  </p:cSld>
+  <p:clrMapOvr>
+    <a:masterClrMapping/>
+  </p:clrMapOvr>
+  <p:timing>
+    <p:tnLst>
+      <p:par>
+        <p:cTn id="1" dur="indefinite" restart="never" nodeType="tmRoot"/>
+      </p:par>
+    </p:tnLst>
+  </p:timing>
+</p:sld>
+</file>
+
+<file path=ppt/slides/slide12.xml><?xml version="1.0" encoding="utf-8"?>
+<p:sld xmlns:a="http://schemas.openxmlformats.org/drawingml/2006/main" xmlns:r="http://schemas.openxmlformats.org/officeDocument/2006/relationships" xmlns:p="http://schemas.openxmlformats.org/presentationml/2006/main">
+  <p:cSld>
+    <p:spTree>
+      <p:nvGrpSpPr>
+        <p:cNvPr id="1" name=""/>
+        <p:cNvGrpSpPr/>
+        <p:nvPr/>
+      </p:nvGrpSpPr>
+      <p:grpSpPr>
+        <a:xfrm>
+          <a:off x="0" y="0"/>
+          <a:ext cx="0" cy="0"/>
+          <a:chOff x="0" y="0"/>
+          <a:chExt cx="0" cy="0"/>
+        </a:xfrm>
+      </p:grpSpPr>
+      <p:sp>
+        <p:nvSpPr>
+          <p:cNvPr id="3" name="页脚占位符 2"/>
+          <p:cNvSpPr>
+            <a:spLocks noGrp="1"/>
+          </p:cNvSpPr>
+          <p:nvPr>
+            <p:ph type="ftr" sz="quarter" idx="11"/>
+          </p:nvPr>
+        </p:nvSpPr>
+        <p:spPr>
+          <a:xfrm>
+            <a:off x="0" y="6381328"/>
+            <a:ext cx="9144000" cy="365125"/>
+          </a:xfrm>
+        </p:spPr>
+        <p:txBody>
+          <a:bodyPr/>
+          <a:lstStyle/>
+          <a:p>
+            <a:r>
+              <a:rPr lang="en-US" altLang="zh-CN" b="1" dirty="0"/>
+              <a:t>RT-Thread </a:t>
+            </a:r>
+            <a:r>
+              <a:rPr lang="zh-CN" altLang="en-US" b="1" dirty="0"/>
+              <a:t>物联网操作系统</a:t>
+            </a:r>
+            <a:r>
+              <a:rPr lang="en-US" altLang="zh-CN" b="1" dirty="0"/>
+              <a:t>							</a:t>
+            </a:r>
+            <a:r>
+              <a:rPr lang="zh-CN" altLang="en-US" sz="1100" b="1" dirty="0"/>
+              <a:t>学习交流群：</a:t>
+            </a:r>
+            <a:r>
+              <a:rPr lang="en-US" altLang="zh-CN" sz="1100" b="1" dirty="0">
+                <a:solidFill>
+                  <a:srgbClr val="FF0000"/>
+                </a:solidFill>
+                <a:latin typeface="Malgun Gothic" pitchFamily="34" charset="-127"/>
+                <a:ea typeface="Malgun Gothic" pitchFamily="34" charset="-127"/>
+              </a:rPr>
+              <a:t>783234154</a:t>
+            </a:r>
+            <a:endParaRPr lang="zh-CN" altLang="en-US" b="1" dirty="0">
+              <a:solidFill>
+                <a:srgbClr val="FF0000"/>
+              </a:solidFill>
+              <a:latin typeface="Malgun Gothic" pitchFamily="34" charset="-127"/>
+              <a:ea typeface="Malgun Gothic" pitchFamily="34" charset="-127"/>
+            </a:endParaRPr>
+          </a:p>
+        </p:txBody>
+      </p:sp>
+      <p:sp>
+        <p:nvSpPr>
+          <p:cNvPr id="4" name="灯片编号占位符 3"/>
+          <p:cNvSpPr>
+            <a:spLocks noGrp="1"/>
+          </p:cNvSpPr>
+          <p:nvPr>
+            <p:ph type="sldNum" sz="quarter" idx="12"/>
+          </p:nvPr>
+        </p:nvSpPr>
+        <p:spPr>
+          <a:xfrm>
+            <a:off x="3995936" y="6381328"/>
+            <a:ext cx="1161826" cy="365125"/>
+          </a:xfrm>
+        </p:spPr>
+        <p:txBody>
+          <a:bodyPr/>
+          <a:lstStyle/>
+          <a:p>
+            <a:fld id="{0C913308-F349-4B6D-A68A-DD1791B4A57B}" type="slidenum">
+              <a:rPr lang="zh-CN" altLang="en-US" smtClean="0"/>
+              <a:t>12</a:t>
+            </a:fld>
+            <a:endParaRPr lang="zh-CN" altLang="en-US" dirty="0"/>
+          </a:p>
+        </p:txBody>
+      </p:sp>
+      <p:sp>
+        <p:nvSpPr>
+          <p:cNvPr id="5" name="标题 4"/>
+          <p:cNvSpPr>
+            <a:spLocks noGrp="1"/>
+          </p:cNvSpPr>
+          <p:nvPr>
+            <p:ph type="title"/>
+          </p:nvPr>
+        </p:nvSpPr>
+        <p:spPr/>
+        <p:txBody>
+          <a:bodyPr>
+            <a:normAutofit/>
+          </a:bodyPr>
+          <a:lstStyle/>
+          <a:p>
+            <a:r>
+              <a:rPr lang="zh-CN" altLang="en-US" dirty="0" smtClean="0"/>
               <a:t>简单了解</a:t>
             </a:r>
             <a:r>
@@ -16360,6 +17363,970 @@
       </p:par>
     </p:tnLst>
   </p:timing>
+</p:sld>
+</file>
+
+<file path=ppt/slides/slide13.xml><?xml version="1.0" encoding="utf-8"?>
+<p:sld xmlns:a="http://schemas.openxmlformats.org/drawingml/2006/main" xmlns:r="http://schemas.openxmlformats.org/officeDocument/2006/relationships" xmlns:p="http://schemas.openxmlformats.org/presentationml/2006/main">
+  <p:cSld>
+    <p:spTree>
+      <p:nvGrpSpPr>
+        <p:cNvPr id="1" name=""/>
+        <p:cNvGrpSpPr/>
+        <p:nvPr/>
+      </p:nvGrpSpPr>
+      <p:grpSpPr>
+        <a:xfrm>
+          <a:off x="0" y="0"/>
+          <a:ext cx="0" cy="0"/>
+          <a:chOff x="0" y="0"/>
+          <a:chExt cx="0" cy="0"/>
+        </a:xfrm>
+      </p:grpSpPr>
+      <p:sp>
+        <p:nvSpPr>
+          <p:cNvPr id="2" name="内容占位符 1"/>
+          <p:cNvSpPr>
+            <a:spLocks noGrp="1"/>
+          </p:cNvSpPr>
+          <p:nvPr>
+            <p:ph idx="1"/>
+          </p:nvPr>
+        </p:nvSpPr>
+        <p:spPr>
+          <a:xfrm>
+            <a:off x="683569" y="1916832"/>
+            <a:ext cx="7596832" cy="4209331"/>
+          </a:xfrm>
+        </p:spPr>
+        <p:txBody>
+          <a:bodyPr>
+            <a:noAutofit/>
+          </a:bodyPr>
+          <a:lstStyle/>
+          <a:p>
+            <a:r>
+              <a:rPr lang="en-US" altLang="zh-CN" sz="1800" dirty="0" smtClean="0">
+                <a:solidFill>
+                  <a:schemeClr val="tx1"/>
+                </a:solidFill>
+              </a:rPr>
+              <a:t>RT-Thread</a:t>
+            </a:r>
+            <a:r>
+              <a:rPr lang="zh-CN" altLang="en-US" sz="1800" dirty="0" smtClean="0">
+                <a:solidFill>
+                  <a:schemeClr val="tx1"/>
+                </a:solidFill>
+              </a:rPr>
+              <a:t>是</a:t>
+            </a:r>
+            <a:r>
+              <a:rPr lang="zh-CN" altLang="en-US" sz="1800" dirty="0">
+                <a:solidFill>
+                  <a:schemeClr val="tx1"/>
+                </a:solidFill>
+              </a:rPr>
+              <a:t>一个轻量级嵌入式操作系统，具有源码公开、可移植、可裁剪</a:t>
+            </a:r>
+            <a:r>
+              <a:rPr lang="zh-CN" altLang="en-US" sz="1800" dirty="0" smtClean="0">
+                <a:solidFill>
+                  <a:schemeClr val="tx1"/>
+                </a:solidFill>
+              </a:rPr>
+              <a:t>、调度</a:t>
+            </a:r>
+            <a:r>
+              <a:rPr lang="zh-CN" altLang="en-US" sz="1800" dirty="0">
+                <a:solidFill>
+                  <a:schemeClr val="tx1"/>
+                </a:solidFill>
+              </a:rPr>
+              <a:t>策略灵活的特点，可以方便地移植到各种嵌入式控制器上实现满足</a:t>
+            </a:r>
+            <a:r>
+              <a:rPr lang="zh-CN" altLang="en-US" sz="1800" dirty="0" smtClean="0">
+                <a:solidFill>
+                  <a:schemeClr val="tx1"/>
+                </a:solidFill>
+              </a:rPr>
+              <a:t>用户需求</a:t>
+            </a:r>
+            <a:r>
+              <a:rPr lang="zh-CN" altLang="en-US" sz="1800" dirty="0">
+                <a:solidFill>
+                  <a:schemeClr val="tx1"/>
+                </a:solidFill>
+              </a:rPr>
+              <a:t>的应用</a:t>
+            </a:r>
+            <a:r>
+              <a:rPr lang="en-US" altLang="zh-CN" sz="1800" dirty="0">
+                <a:solidFill>
+                  <a:schemeClr val="tx1"/>
+                </a:solidFill>
+              </a:rPr>
+              <a:t>.</a:t>
+            </a:r>
+            <a:r>
+              <a:rPr lang="zh-CN" altLang="en-US" sz="1800" dirty="0">
+                <a:solidFill>
+                  <a:schemeClr val="tx1"/>
+                </a:solidFill>
+              </a:rPr>
+              <a:t> </a:t>
+            </a:r>
+            <a:br>
+              <a:rPr lang="zh-CN" altLang="en-US" sz="1800" dirty="0">
+                <a:solidFill>
+                  <a:schemeClr val="tx1"/>
+                </a:solidFill>
+              </a:rPr>
+            </a:br>
+            <a:endParaRPr lang="en-US" altLang="zh-CN" sz="1800" dirty="0" smtClean="0">
+              <a:solidFill>
+                <a:schemeClr val="tx1"/>
+              </a:solidFill>
+            </a:endParaRPr>
+          </a:p>
+          <a:p>
+            <a:r>
+              <a:rPr lang="en-US" altLang="zh-CN" sz="1800" dirty="0" smtClean="0">
+                <a:solidFill>
+                  <a:schemeClr val="tx1"/>
+                </a:solidFill>
+              </a:rPr>
+              <a:t>RT-Thread</a:t>
+            </a:r>
+            <a:r>
+              <a:rPr lang="zh-CN" altLang="en-US" sz="1800" dirty="0" smtClean="0">
+                <a:solidFill>
+                  <a:schemeClr val="tx1"/>
+                </a:solidFill>
+              </a:rPr>
+              <a:t>作为</a:t>
+            </a:r>
+            <a:r>
+              <a:rPr lang="zh-CN" altLang="en-US" sz="1800" dirty="0">
+                <a:solidFill>
+                  <a:schemeClr val="tx1"/>
+                </a:solidFill>
+              </a:rPr>
+              <a:t>一个轻量级嵌入式</a:t>
+            </a:r>
+            <a:r>
+              <a:rPr lang="zh-CN" altLang="en-US" sz="1800" dirty="0" smtClean="0">
+                <a:solidFill>
+                  <a:schemeClr val="tx1"/>
+                </a:solidFill>
+              </a:rPr>
+              <a:t>操作系统（</a:t>
+            </a:r>
+            <a:r>
+              <a:rPr lang="zh-CN" altLang="en-US" sz="1800" dirty="0">
+                <a:solidFill>
+                  <a:srgbClr val="FF0000"/>
+                </a:solidFill>
+                <a:latin typeface="宋体" pitchFamily="2" charset="-122"/>
+                <a:ea typeface="宋体" pitchFamily="2" charset="-122"/>
+              </a:rPr>
+              <a:t>内核占用的</a:t>
+            </a:r>
+            <a:r>
+              <a:rPr lang="en-US" altLang="zh-CN" sz="1800" dirty="0">
+                <a:solidFill>
+                  <a:srgbClr val="FF0000"/>
+                </a:solidFill>
+                <a:latin typeface="宋体" pitchFamily="2" charset="-122"/>
+                <a:ea typeface="宋体" pitchFamily="2" charset="-122"/>
+              </a:rPr>
+              <a:t>ROM</a:t>
+            </a:r>
+            <a:r>
+              <a:rPr lang="zh-CN" altLang="en-US" sz="1800" dirty="0">
+                <a:solidFill>
+                  <a:srgbClr val="FF0000"/>
+                </a:solidFill>
+                <a:latin typeface="宋体" pitchFamily="2" charset="-122"/>
+                <a:ea typeface="宋体" pitchFamily="2" charset="-122"/>
+              </a:rPr>
+              <a:t>仅为</a:t>
+            </a:r>
+            <a:r>
+              <a:rPr lang="en-US" altLang="zh-CN" sz="1800" dirty="0">
+                <a:solidFill>
+                  <a:srgbClr val="FF0000"/>
+                </a:solidFill>
+                <a:latin typeface="宋体" pitchFamily="2" charset="-122"/>
+                <a:ea typeface="宋体" pitchFamily="2" charset="-122"/>
+              </a:rPr>
+              <a:t>2.5KB</a:t>
+            </a:r>
+            <a:r>
+              <a:rPr lang="zh-CN" altLang="en-US" sz="1800" dirty="0">
+                <a:solidFill>
+                  <a:srgbClr val="FF0000"/>
+                </a:solidFill>
+                <a:latin typeface="宋体" pitchFamily="2" charset="-122"/>
+                <a:ea typeface="宋体" pitchFamily="2" charset="-122"/>
+              </a:rPr>
+              <a:t>，</a:t>
+            </a:r>
+            <a:r>
+              <a:rPr lang="en-US" altLang="zh-CN" sz="1800" dirty="0">
+                <a:solidFill>
+                  <a:srgbClr val="FF0000"/>
+                </a:solidFill>
+                <a:latin typeface="宋体" pitchFamily="2" charset="-122"/>
+                <a:ea typeface="宋体" pitchFamily="2" charset="-122"/>
+              </a:rPr>
+              <a:t>RAM</a:t>
+            </a:r>
+            <a:r>
+              <a:rPr lang="zh-CN" altLang="en-US" sz="1800" dirty="0">
+                <a:solidFill>
+                  <a:srgbClr val="FF0000"/>
+                </a:solidFill>
+                <a:latin typeface="宋体" pitchFamily="2" charset="-122"/>
+                <a:ea typeface="宋体" pitchFamily="2" charset="-122"/>
+              </a:rPr>
+              <a:t>为</a:t>
+            </a:r>
+            <a:r>
+              <a:rPr lang="en-US" altLang="zh-CN" sz="1800" dirty="0">
+                <a:solidFill>
+                  <a:srgbClr val="FF0000"/>
+                </a:solidFill>
+                <a:latin typeface="宋体" pitchFamily="2" charset="-122"/>
+                <a:ea typeface="宋体" pitchFamily="2" charset="-122"/>
+              </a:rPr>
+              <a:t>1KB </a:t>
+            </a:r>
+            <a:r>
+              <a:rPr lang="zh-CN" altLang="en-US" sz="1800" dirty="0" smtClean="0">
+                <a:solidFill>
+                  <a:schemeClr val="tx1"/>
+                </a:solidFill>
+              </a:rPr>
+              <a:t>），</a:t>
+            </a:r>
+            <a:r>
+              <a:rPr lang="zh-CN" altLang="en-US" sz="1800" dirty="0">
+                <a:solidFill>
+                  <a:schemeClr val="tx1"/>
+                </a:solidFill>
+              </a:rPr>
+              <a:t>提供一个高层次的可信任</a:t>
+            </a:r>
+            <a:r>
+              <a:rPr lang="zh-CN" altLang="en-US" sz="1800" dirty="0" smtClean="0">
+                <a:solidFill>
+                  <a:schemeClr val="tx1"/>
+                </a:solidFill>
+              </a:rPr>
+              <a:t>代码源代码</a:t>
+            </a:r>
+            <a:r>
+              <a:rPr lang="zh-CN" altLang="en-US" sz="1800" dirty="0">
+                <a:solidFill>
+                  <a:schemeClr val="tx1"/>
+                </a:solidFill>
+              </a:rPr>
+              <a:t>以</a:t>
+            </a:r>
+            <a:r>
+              <a:rPr lang="en-US" altLang="zh-CN" sz="1800" dirty="0">
+                <a:solidFill>
+                  <a:schemeClr val="tx1"/>
+                </a:solidFill>
+              </a:rPr>
+              <a:t>C</a:t>
+            </a:r>
+            <a:r>
+              <a:rPr lang="zh-CN" altLang="en-US" sz="1800" dirty="0">
+                <a:solidFill>
+                  <a:schemeClr val="tx1"/>
+                </a:solidFill>
+              </a:rPr>
+              <a:t>开发，系统实现</a:t>
+            </a:r>
+            <a:r>
+              <a:rPr lang="zh-CN" altLang="en-US" sz="1800" dirty="0" smtClean="0">
+                <a:solidFill>
+                  <a:schemeClr val="tx1"/>
+                </a:solidFill>
+              </a:rPr>
+              <a:t>的线程没有</a:t>
+            </a:r>
+            <a:r>
+              <a:rPr lang="zh-CN" altLang="en-US" sz="1800" dirty="0">
+                <a:solidFill>
+                  <a:schemeClr val="tx1"/>
+                </a:solidFill>
+              </a:rPr>
+              <a:t>数量的限制</a:t>
+            </a:r>
+            <a:r>
+              <a:rPr lang="en-US" altLang="zh-CN" sz="1800" dirty="0">
+                <a:solidFill>
+                  <a:schemeClr val="tx1"/>
+                </a:solidFill>
+              </a:rPr>
+              <a:t>.</a:t>
+            </a:r>
+            <a:br>
+              <a:rPr lang="en-US" altLang="zh-CN" sz="1800" dirty="0">
+                <a:solidFill>
+                  <a:schemeClr val="tx1"/>
+                </a:solidFill>
+              </a:rPr>
+            </a:br>
+            <a:endParaRPr lang="en-US" altLang="zh-CN" sz="1800" dirty="0" smtClean="0">
+              <a:solidFill>
+                <a:schemeClr val="tx1"/>
+              </a:solidFill>
+            </a:endParaRPr>
+          </a:p>
+          <a:p>
+            <a:r>
+              <a:rPr lang="en-US" altLang="zh-CN" sz="1800" dirty="0" smtClean="0">
+                <a:solidFill>
+                  <a:schemeClr val="tx1"/>
+                </a:solidFill>
+              </a:rPr>
+              <a:t>RT-Thread</a:t>
+            </a:r>
+            <a:r>
+              <a:rPr lang="zh-CN" altLang="en-US" sz="1800" dirty="0" smtClean="0">
+                <a:solidFill>
+                  <a:schemeClr val="tx1"/>
+                </a:solidFill>
+              </a:rPr>
+              <a:t>内核</a:t>
+            </a:r>
+            <a:r>
+              <a:rPr lang="zh-CN" altLang="en-US" sz="1800" dirty="0">
+                <a:solidFill>
+                  <a:schemeClr val="tx1"/>
+                </a:solidFill>
+              </a:rPr>
+              <a:t>支持优先级调度算法</a:t>
+            </a:r>
+            <a:r>
+              <a:rPr lang="en-US" altLang="zh-CN" sz="1800" dirty="0">
+                <a:solidFill>
+                  <a:schemeClr val="tx1"/>
+                </a:solidFill>
+              </a:rPr>
+              <a:t>,</a:t>
+            </a:r>
+            <a:r>
+              <a:rPr lang="zh-CN" altLang="en-US" sz="1800" dirty="0" smtClean="0">
+                <a:solidFill>
+                  <a:schemeClr val="tx1"/>
+                </a:solidFill>
+              </a:rPr>
+              <a:t>每个线程课</a:t>
+            </a:r>
+            <a:r>
+              <a:rPr lang="zh-CN" altLang="en-US" sz="1800" dirty="0">
+                <a:solidFill>
+                  <a:schemeClr val="tx1"/>
+                </a:solidFill>
+              </a:rPr>
+              <a:t>根据重要程度的不同赋予</a:t>
+            </a:r>
+            <a:r>
+              <a:rPr lang="zh-CN" altLang="en-US" sz="1800" dirty="0" smtClean="0">
+                <a:solidFill>
+                  <a:schemeClr val="tx1"/>
+                </a:solidFill>
+              </a:rPr>
+              <a:t>一定的</a:t>
+            </a:r>
+            <a:r>
+              <a:rPr lang="zh-CN" altLang="en-US" sz="1800" dirty="0">
+                <a:solidFill>
+                  <a:schemeClr val="tx1"/>
+                </a:solidFill>
+              </a:rPr>
+              <a:t>优先级，</a:t>
+            </a:r>
+            <a:r>
+              <a:rPr lang="en-US" altLang="zh-CN" sz="1800" dirty="0">
+                <a:solidFill>
+                  <a:schemeClr val="tx1"/>
+                </a:solidFill>
+              </a:rPr>
+              <a:t>CPU</a:t>
+            </a:r>
+            <a:r>
+              <a:rPr lang="zh-CN" altLang="en-US" sz="1800" dirty="0">
+                <a:solidFill>
+                  <a:schemeClr val="tx1"/>
+                </a:solidFill>
+              </a:rPr>
+              <a:t>总是让处于就绪态的、优先级最高</a:t>
+            </a:r>
+            <a:r>
+              <a:rPr lang="zh-CN" altLang="en-US" sz="1800" dirty="0" smtClean="0">
+                <a:solidFill>
+                  <a:schemeClr val="tx1"/>
+                </a:solidFill>
+              </a:rPr>
+              <a:t>的线程先</a:t>
+            </a:r>
+            <a:r>
+              <a:rPr lang="zh-CN" altLang="en-US" sz="1800" dirty="0">
+                <a:solidFill>
+                  <a:schemeClr val="tx1"/>
+                </a:solidFill>
+              </a:rPr>
+              <a:t>运行</a:t>
+            </a:r>
+            <a:r>
+              <a:rPr lang="en-US" altLang="zh-CN" sz="1800" dirty="0" smtClean="0">
+                <a:solidFill>
+                  <a:schemeClr val="tx1"/>
+                </a:solidFill>
+              </a:rPr>
+              <a:t>.</a:t>
+            </a:r>
+          </a:p>
+          <a:p>
+            <a:r>
+              <a:rPr lang="en-US" altLang="zh-CN" sz="1800" dirty="0">
+                <a:solidFill>
+                  <a:schemeClr val="tx1"/>
+                </a:solidFill>
+              </a:rPr>
+              <a:t/>
+            </a:r>
+            <a:br>
+              <a:rPr lang="en-US" altLang="zh-CN" sz="1800" dirty="0">
+                <a:solidFill>
+                  <a:schemeClr val="tx1"/>
+                </a:solidFill>
+              </a:rPr>
+            </a:br>
+            <a:r>
+              <a:rPr lang="en-US" altLang="zh-CN" sz="1800" dirty="0">
+                <a:solidFill>
+                  <a:schemeClr val="tx1"/>
+                </a:solidFill>
+              </a:rPr>
+              <a:t>RT-Thread</a:t>
+            </a:r>
+            <a:r>
+              <a:rPr lang="zh-CN" altLang="en-US" sz="1800" dirty="0" smtClean="0">
+                <a:solidFill>
+                  <a:schemeClr val="tx1"/>
+                </a:solidFill>
+              </a:rPr>
+              <a:t>内核</a:t>
+            </a:r>
+            <a:r>
+              <a:rPr lang="zh-CN" altLang="en-US" sz="1800" dirty="0">
+                <a:solidFill>
+                  <a:schemeClr val="tx1"/>
+                </a:solidFill>
+              </a:rPr>
+              <a:t>同时支持轮换调度算法，系统允许不同</a:t>
+            </a:r>
+            <a:r>
+              <a:rPr lang="zh-CN" altLang="en-US" sz="1800" dirty="0" smtClean="0">
+                <a:solidFill>
+                  <a:schemeClr val="tx1"/>
+                </a:solidFill>
+              </a:rPr>
+              <a:t>的线程使用</a:t>
+            </a:r>
+            <a:r>
+              <a:rPr lang="zh-CN" altLang="en-US" sz="1800" dirty="0">
+                <a:solidFill>
+                  <a:schemeClr val="tx1"/>
+                </a:solidFill>
+              </a:rPr>
+              <a:t>相同的</a:t>
+            </a:r>
+            <a:r>
+              <a:rPr lang="zh-CN" altLang="en-US" sz="1800" dirty="0" smtClean="0">
+                <a:solidFill>
+                  <a:schemeClr val="tx1"/>
+                </a:solidFill>
+              </a:rPr>
+              <a:t>优先级</a:t>
+            </a:r>
+            <a:r>
+              <a:rPr lang="zh-CN" altLang="en-US" sz="1800" dirty="0">
+                <a:solidFill>
+                  <a:schemeClr val="tx1"/>
+                </a:solidFill>
+              </a:rPr>
+              <a:t>，在没有更高</a:t>
+            </a:r>
+            <a:r>
+              <a:rPr lang="zh-CN" altLang="en-US" sz="1800" dirty="0" smtClean="0">
+                <a:solidFill>
+                  <a:schemeClr val="tx1"/>
+                </a:solidFill>
+              </a:rPr>
+              <a:t>优先级线程就绪</a:t>
+            </a:r>
+            <a:r>
+              <a:rPr lang="zh-CN" altLang="en-US" sz="1800" dirty="0">
+                <a:solidFill>
+                  <a:schemeClr val="tx1"/>
+                </a:solidFill>
+              </a:rPr>
+              <a:t>的情况下，同一优先级</a:t>
+            </a:r>
+            <a:r>
+              <a:rPr lang="zh-CN" altLang="en-US" sz="1800" dirty="0" smtClean="0">
+                <a:solidFill>
+                  <a:schemeClr val="tx1"/>
+                </a:solidFill>
+              </a:rPr>
+              <a:t>的线程根据自定义的时间片进行切换任务</a:t>
+            </a:r>
+            <a:r>
+              <a:rPr lang="en-US" altLang="zh-CN" sz="1800" dirty="0" smtClean="0">
+                <a:solidFill>
+                  <a:schemeClr val="tx1"/>
+                </a:solidFill>
+              </a:rPr>
+              <a:t>.</a:t>
+            </a:r>
+          </a:p>
+          <a:p>
+            <a:pPr marL="0" indent="0">
+              <a:buNone/>
+            </a:pPr>
+            <a:r>
+              <a:rPr lang="en-US" altLang="zh-CN" sz="1800" dirty="0">
+                <a:solidFill>
+                  <a:schemeClr val="tx1"/>
+                </a:solidFill>
+              </a:rPr>
+              <a:t/>
+            </a:r>
+            <a:br>
+              <a:rPr lang="en-US" altLang="zh-CN" sz="1800" dirty="0">
+                <a:solidFill>
+                  <a:schemeClr val="tx1"/>
+                </a:solidFill>
+              </a:rPr>
+            </a:br>
+            <a:r>
+              <a:rPr lang="zh-CN" altLang="en-US" sz="1800" dirty="0">
+                <a:solidFill>
+                  <a:schemeClr val="tx1"/>
+                </a:solidFill>
+              </a:rPr>
+              <a:t/>
+            </a:r>
+            <a:br>
+              <a:rPr lang="zh-CN" altLang="en-US" sz="1800" dirty="0">
+                <a:solidFill>
+                  <a:schemeClr val="tx1"/>
+                </a:solidFill>
+              </a:rPr>
+            </a:br>
+            <a:r>
+              <a:rPr lang="zh-CN" altLang="en-US" sz="1800" dirty="0">
+                <a:solidFill>
+                  <a:schemeClr val="tx1"/>
+                </a:solidFill>
+              </a:rPr>
+              <a:t/>
+            </a:r>
+            <a:br>
+              <a:rPr lang="zh-CN" altLang="en-US" sz="1800" dirty="0">
+                <a:solidFill>
+                  <a:schemeClr val="tx1"/>
+                </a:solidFill>
+              </a:rPr>
+            </a:br>
+            <a:endParaRPr lang="zh-CN" altLang="en-US" sz="1800" dirty="0">
+              <a:solidFill>
+                <a:schemeClr val="tx1"/>
+              </a:solidFill>
+            </a:endParaRPr>
+          </a:p>
+        </p:txBody>
+      </p:sp>
+      <p:sp>
+        <p:nvSpPr>
+          <p:cNvPr id="3" name="页脚占位符 2"/>
+          <p:cNvSpPr>
+            <a:spLocks noGrp="1"/>
+          </p:cNvSpPr>
+          <p:nvPr>
+            <p:ph type="ftr" sz="quarter" idx="11"/>
+          </p:nvPr>
+        </p:nvSpPr>
+        <p:spPr/>
+        <p:txBody>
+          <a:bodyPr/>
+          <a:lstStyle/>
+          <a:p>
+            <a:r>
+              <a:rPr lang="en-US" altLang="zh-CN" smtClean="0"/>
+              <a:t>RT-Thread </a:t>
+            </a:r>
+            <a:r>
+              <a:rPr lang="zh-CN" altLang="en-US" smtClean="0"/>
+              <a:t>物联网操作系统</a:t>
+            </a:r>
+            <a:endParaRPr lang="zh-CN" altLang="en-US"/>
+          </a:p>
+        </p:txBody>
+      </p:sp>
+      <p:sp>
+        <p:nvSpPr>
+          <p:cNvPr id="4" name="灯片编号占位符 3"/>
+          <p:cNvSpPr>
+            <a:spLocks noGrp="1"/>
+          </p:cNvSpPr>
+          <p:nvPr>
+            <p:ph type="sldNum" sz="quarter" idx="12"/>
+          </p:nvPr>
+        </p:nvSpPr>
+        <p:spPr/>
+        <p:txBody>
+          <a:bodyPr/>
+          <a:lstStyle/>
+          <a:p>
+            <a:fld id="{0C913308-F349-4B6D-A68A-DD1791B4A57B}" type="slidenum">
+              <a:rPr lang="zh-CN" altLang="en-US" smtClean="0"/>
+              <a:t>13</a:t>
+            </a:fld>
+            <a:endParaRPr lang="zh-CN" altLang="en-US"/>
+          </a:p>
+        </p:txBody>
+      </p:sp>
+      <p:sp>
+        <p:nvSpPr>
+          <p:cNvPr id="5" name="标题 4"/>
+          <p:cNvSpPr>
+            <a:spLocks noGrp="1"/>
+          </p:cNvSpPr>
+          <p:nvPr>
+            <p:ph type="title"/>
+          </p:nvPr>
+        </p:nvSpPr>
+        <p:spPr/>
+        <p:txBody>
+          <a:bodyPr/>
+          <a:lstStyle/>
+          <a:p>
+            <a:r>
+              <a:rPr lang="en-US" altLang="zh-CN" dirty="0" smtClean="0"/>
+              <a:t>RT-Thread</a:t>
+            </a:r>
+            <a:r>
+              <a:rPr lang="zh-CN" altLang="en-US" dirty="0" smtClean="0"/>
+              <a:t>特点</a:t>
+            </a:r>
+            <a:endParaRPr lang="zh-CN" altLang="en-US" dirty="0"/>
+          </a:p>
+        </p:txBody>
+      </p:sp>
+    </p:spTree>
+    <p:extLst>
+      <p:ext uri="{BB962C8B-B14F-4D97-AF65-F5344CB8AC3E}">
+        <p14:creationId xmlns:p14="http://schemas.microsoft.com/office/powerpoint/2010/main" val="3488414328"/>
+      </p:ext>
+    </p:extLst>
+  </p:cSld>
+  <p:clrMapOvr>
+    <a:masterClrMapping/>
+  </p:clrMapOvr>
+</p:sld>
+</file>
+
+<file path=ppt/slides/slide14.xml><?xml version="1.0" encoding="utf-8"?>
+<p:sld xmlns:a="http://schemas.openxmlformats.org/drawingml/2006/main" xmlns:r="http://schemas.openxmlformats.org/officeDocument/2006/relationships" xmlns:p="http://schemas.openxmlformats.org/presentationml/2006/main">
+  <p:cSld>
+    <p:spTree>
+      <p:nvGrpSpPr>
+        <p:cNvPr id="1" name=""/>
+        <p:cNvGrpSpPr/>
+        <p:nvPr/>
+      </p:nvGrpSpPr>
+      <p:grpSpPr>
+        <a:xfrm>
+          <a:off x="0" y="0"/>
+          <a:ext cx="0" cy="0"/>
+          <a:chOff x="0" y="0"/>
+          <a:chExt cx="0" cy="0"/>
+        </a:xfrm>
+      </p:grpSpPr>
+      <p:sp>
+        <p:nvSpPr>
+          <p:cNvPr id="2" name="内容占位符 1"/>
+          <p:cNvSpPr>
+            <a:spLocks noGrp="1"/>
+          </p:cNvSpPr>
+          <p:nvPr>
+            <p:ph idx="1"/>
+          </p:nvPr>
+        </p:nvSpPr>
+        <p:spPr>
+          <a:xfrm>
+            <a:off x="872067" y="2132856"/>
+            <a:ext cx="7408333" cy="3993307"/>
+          </a:xfrm>
+        </p:spPr>
+        <p:txBody>
+          <a:bodyPr>
+            <a:noAutofit/>
+          </a:bodyPr>
+          <a:lstStyle/>
+          <a:p>
+            <a:r>
+              <a:rPr lang="zh-CN" altLang="en-US" sz="1800" dirty="0">
+                <a:solidFill>
+                  <a:schemeClr val="tx1"/>
+                </a:solidFill>
+              </a:rPr>
+              <a:t>可通过队列</a:t>
+            </a:r>
+            <a:r>
+              <a:rPr lang="zh-CN" altLang="en-US" sz="1800" dirty="0" smtClean="0">
+                <a:solidFill>
+                  <a:schemeClr val="tx1"/>
+                </a:solidFill>
+              </a:rPr>
+              <a:t>、信号量、互斥量、事件等在</a:t>
+            </a:r>
+            <a:r>
+              <a:rPr lang="zh-CN" altLang="en-US" sz="1800" dirty="0">
+                <a:solidFill>
+                  <a:schemeClr val="tx1"/>
+                </a:solidFill>
+              </a:rPr>
+              <a:t>任务间、任务与中断 间通信和同步。</a:t>
+            </a:r>
+            <a:br>
+              <a:rPr lang="zh-CN" altLang="en-US" sz="1800" dirty="0">
+                <a:solidFill>
+                  <a:schemeClr val="tx1"/>
+                </a:solidFill>
+              </a:rPr>
+            </a:br>
+            <a:endParaRPr lang="en-US" altLang="zh-CN" sz="1800" dirty="0">
+              <a:solidFill>
+                <a:schemeClr val="tx1"/>
+              </a:solidFill>
+            </a:endParaRPr>
+          </a:p>
+          <a:p>
+            <a:r>
+              <a:rPr lang="zh-CN" altLang="en-US" sz="1800" dirty="0">
+                <a:solidFill>
+                  <a:schemeClr val="tx1"/>
+                </a:solidFill>
+              </a:rPr>
+              <a:t>互斥量有优先级继承。</a:t>
+            </a:r>
+            <a:br>
+              <a:rPr lang="zh-CN" altLang="en-US" sz="1800" dirty="0">
+                <a:solidFill>
+                  <a:schemeClr val="tx1"/>
+                </a:solidFill>
+              </a:rPr>
+            </a:br>
+            <a:endParaRPr lang="en-US" altLang="zh-CN" sz="1800" dirty="0">
+              <a:solidFill>
+                <a:schemeClr val="tx1"/>
+              </a:solidFill>
+            </a:endParaRPr>
+          </a:p>
+          <a:p>
+            <a:r>
+              <a:rPr lang="zh-CN" altLang="en-US" sz="1800" dirty="0">
+                <a:solidFill>
+                  <a:schemeClr val="tx1"/>
+                </a:solidFill>
+              </a:rPr>
+              <a:t>支持高效的软件</a:t>
+            </a:r>
+            <a:r>
+              <a:rPr lang="zh-CN" altLang="en-US" sz="1800" dirty="0" smtClean="0">
+                <a:solidFill>
+                  <a:schemeClr val="tx1"/>
+                </a:solidFill>
+              </a:rPr>
+              <a:t>定时器（理论上可以创建无数多个软件定时器）。</a:t>
+            </a:r>
+            <a:r>
+              <a:rPr lang="zh-CN" altLang="en-US" sz="1800" dirty="0">
+                <a:solidFill>
+                  <a:schemeClr val="tx1"/>
+                </a:solidFill>
+              </a:rPr>
+              <a:t/>
+            </a:r>
+            <a:br>
+              <a:rPr lang="zh-CN" altLang="en-US" sz="1800" dirty="0">
+                <a:solidFill>
+                  <a:schemeClr val="tx1"/>
+                </a:solidFill>
+              </a:rPr>
+            </a:br>
+            <a:r>
+              <a:rPr lang="zh-CN" altLang="en-US" sz="1800" dirty="0">
+                <a:solidFill>
+                  <a:schemeClr val="tx1"/>
+                </a:solidFill>
+              </a:rPr>
+              <a:t/>
+            </a:r>
+            <a:br>
+              <a:rPr lang="zh-CN" altLang="en-US" sz="1800" dirty="0">
+                <a:solidFill>
+                  <a:schemeClr val="tx1"/>
+                </a:solidFill>
+              </a:rPr>
+            </a:br>
+            <a:endParaRPr lang="en-US" altLang="zh-CN" sz="1800" dirty="0">
+              <a:solidFill>
+                <a:schemeClr val="tx1"/>
+              </a:solidFill>
+            </a:endParaRPr>
+          </a:p>
+          <a:p>
+            <a:r>
+              <a:rPr lang="zh-CN" altLang="en-US" sz="1800" dirty="0">
+                <a:solidFill>
+                  <a:schemeClr val="tx1"/>
+                </a:solidFill>
+              </a:rPr>
+              <a:t>可创建的任务数无软件限制，可使用的优先级数无软件限制。</a:t>
+            </a:r>
+            <a:br>
+              <a:rPr lang="zh-CN" altLang="en-US" sz="1800" dirty="0">
+                <a:solidFill>
+                  <a:schemeClr val="tx1"/>
+                </a:solidFill>
+              </a:rPr>
+            </a:br>
+            <a:endParaRPr lang="en-US" altLang="zh-CN" sz="1800" dirty="0">
+              <a:solidFill>
+                <a:schemeClr val="tx1"/>
+              </a:solidFill>
+            </a:endParaRPr>
+          </a:p>
+          <a:p>
+            <a:r>
+              <a:rPr lang="zh-CN" altLang="en-US" sz="1800" dirty="0">
+                <a:solidFill>
+                  <a:schemeClr val="tx1"/>
+                </a:solidFill>
+              </a:rPr>
+              <a:t>优先级指定无限制 </a:t>
+            </a:r>
+            <a:r>
+              <a:rPr lang="en-US" altLang="zh-CN" sz="1800" dirty="0">
+                <a:solidFill>
+                  <a:schemeClr val="tx1"/>
+                </a:solidFill>
+              </a:rPr>
+              <a:t>- </a:t>
+            </a:r>
+            <a:r>
+              <a:rPr lang="zh-CN" altLang="en-US" sz="1800" dirty="0">
+                <a:solidFill>
+                  <a:schemeClr val="tx1"/>
+                </a:solidFill>
+              </a:rPr>
+              <a:t>可为多个任务指定同一优先级</a:t>
+            </a:r>
+            <a:endParaRPr lang="zh-CN" altLang="en-US" sz="1800" dirty="0"/>
+          </a:p>
+        </p:txBody>
+      </p:sp>
+      <p:sp>
+        <p:nvSpPr>
+          <p:cNvPr id="3" name="页脚占位符 2"/>
+          <p:cNvSpPr>
+            <a:spLocks noGrp="1"/>
+          </p:cNvSpPr>
+          <p:nvPr>
+            <p:ph type="ftr" sz="quarter" idx="11"/>
+          </p:nvPr>
+        </p:nvSpPr>
+        <p:spPr/>
+        <p:txBody>
+          <a:bodyPr/>
+          <a:lstStyle/>
+          <a:p>
+            <a:r>
+              <a:rPr lang="en-US" altLang="zh-CN" smtClean="0"/>
+              <a:t>RT-Thread </a:t>
+            </a:r>
+            <a:r>
+              <a:rPr lang="zh-CN" altLang="en-US" smtClean="0"/>
+              <a:t>物联网操作系统</a:t>
+            </a:r>
+            <a:endParaRPr lang="zh-CN" altLang="en-US"/>
+          </a:p>
+        </p:txBody>
+      </p:sp>
+      <p:sp>
+        <p:nvSpPr>
+          <p:cNvPr id="4" name="灯片编号占位符 3"/>
+          <p:cNvSpPr>
+            <a:spLocks noGrp="1"/>
+          </p:cNvSpPr>
+          <p:nvPr>
+            <p:ph type="sldNum" sz="quarter" idx="12"/>
+          </p:nvPr>
+        </p:nvSpPr>
+        <p:spPr/>
+        <p:txBody>
+          <a:bodyPr/>
+          <a:lstStyle/>
+          <a:p>
+            <a:fld id="{0C913308-F349-4B6D-A68A-DD1791B4A57B}" type="slidenum">
+              <a:rPr lang="zh-CN" altLang="en-US" smtClean="0"/>
+              <a:t>14</a:t>
+            </a:fld>
+            <a:endParaRPr lang="zh-CN" altLang="en-US"/>
+          </a:p>
+        </p:txBody>
+      </p:sp>
+      <p:sp>
+        <p:nvSpPr>
+          <p:cNvPr id="5" name="标题 4"/>
+          <p:cNvSpPr>
+            <a:spLocks noGrp="1"/>
+          </p:cNvSpPr>
+          <p:nvPr>
+            <p:ph type="title"/>
+          </p:nvPr>
+        </p:nvSpPr>
+        <p:spPr/>
+        <p:txBody>
+          <a:bodyPr/>
+          <a:lstStyle/>
+          <a:p>
+            <a:endParaRPr lang="zh-CN" altLang="en-US"/>
+          </a:p>
+        </p:txBody>
+      </p:sp>
+    </p:spTree>
+    <p:extLst>
+      <p:ext uri="{BB962C8B-B14F-4D97-AF65-F5344CB8AC3E}">
+        <p14:creationId xmlns:p14="http://schemas.microsoft.com/office/powerpoint/2010/main" val="1322883610"/>
+      </p:ext>
+    </p:extLst>
+  </p:cSld>
+  <p:clrMapOvr>
+    <a:masterClrMapping/>
+  </p:clrMapOvr>
 </p:sld>
 </file>
 
@@ -17248,6 +19215,324 @@
             <p:ph idx="1"/>
           </p:nvPr>
         </p:nvSpPr>
+        <p:spPr/>
+        <p:txBody>
+          <a:bodyPr/>
+          <a:lstStyle/>
+          <a:p>
+            <a:pPr marL="0" indent="0">
+              <a:buNone/>
+            </a:pPr>
+            <a:endParaRPr lang="zh-CN" altLang="en-US" dirty="0"/>
+          </a:p>
+        </p:txBody>
+      </p:sp>
+      <p:sp>
+        <p:nvSpPr>
+          <p:cNvPr id="3" name="页脚占位符 2"/>
+          <p:cNvSpPr>
+            <a:spLocks noGrp="1"/>
+          </p:cNvSpPr>
+          <p:nvPr>
+            <p:ph type="ftr" sz="quarter" idx="11"/>
+          </p:nvPr>
+        </p:nvSpPr>
+        <p:spPr/>
+        <p:txBody>
+          <a:bodyPr/>
+          <a:lstStyle/>
+          <a:p>
+            <a:r>
+              <a:rPr lang="en-US" altLang="zh-CN" dirty="0" smtClean="0"/>
+              <a:t>RT-Thread </a:t>
+            </a:r>
+            <a:r>
+              <a:rPr lang="zh-CN" altLang="en-US" dirty="0" smtClean="0"/>
+              <a:t>物联网操作系统</a:t>
+            </a:r>
+            <a:endParaRPr lang="zh-CN" altLang="en-US" dirty="0"/>
+          </a:p>
+        </p:txBody>
+      </p:sp>
+      <p:sp>
+        <p:nvSpPr>
+          <p:cNvPr id="4" name="灯片编号占位符 3"/>
+          <p:cNvSpPr>
+            <a:spLocks noGrp="1"/>
+          </p:cNvSpPr>
+          <p:nvPr>
+            <p:ph type="sldNum" sz="quarter" idx="12"/>
+          </p:nvPr>
+        </p:nvSpPr>
+        <p:spPr/>
+        <p:txBody>
+          <a:bodyPr/>
+          <a:lstStyle/>
+          <a:p>
+            <a:fld id="{0C913308-F349-4B6D-A68A-DD1791B4A57B}" type="slidenum">
+              <a:rPr lang="zh-CN" altLang="en-US" smtClean="0"/>
+              <a:t>5</a:t>
+            </a:fld>
+            <a:endParaRPr lang="zh-CN" altLang="en-US" dirty="0"/>
+          </a:p>
+        </p:txBody>
+      </p:sp>
+      <p:sp>
+        <p:nvSpPr>
+          <p:cNvPr id="5" name="标题 4"/>
+          <p:cNvSpPr>
+            <a:spLocks noGrp="1"/>
+          </p:cNvSpPr>
+          <p:nvPr>
+            <p:ph type="title"/>
+          </p:nvPr>
+        </p:nvSpPr>
+        <p:spPr/>
+        <p:txBody>
+          <a:bodyPr/>
+          <a:lstStyle/>
+          <a:p>
+            <a:r>
+              <a:rPr lang="zh-CN" altLang="en-US" dirty="0" smtClean="0"/>
+              <a:t>什么是操作系统</a:t>
+            </a:r>
+            <a:endParaRPr lang="zh-CN" altLang="en-US" dirty="0"/>
+          </a:p>
+        </p:txBody>
+      </p:sp>
+      <p:pic>
+        <p:nvPicPr>
+          <p:cNvPr id="1026" name="Picture 2"/>
+          <p:cNvPicPr>
+            <a:picLocks noChangeAspect="1" noChangeArrowheads="1"/>
+          </p:cNvPicPr>
+          <p:nvPr/>
+        </p:nvPicPr>
+        <p:blipFill>
+          <a:blip r:embed="rId2">
+            <a:extLst>
+              <a:ext uri="{28A0092B-C50C-407E-A947-70E740481C1C}">
+                <a14:useLocalDpi xmlns:a14="http://schemas.microsoft.com/office/drawing/2010/main" val="0"/>
+              </a:ext>
+            </a:extLst>
+          </a:blip>
+          <a:srcRect/>
+          <a:stretch>
+            <a:fillRect/>
+          </a:stretch>
+        </p:blipFill>
+        <p:spPr bwMode="auto">
+          <a:xfrm>
+            <a:off x="179512" y="537402"/>
+            <a:ext cx="8768174" cy="5616624"/>
+          </a:xfrm>
+          <a:prstGeom prst="rect">
+            <a:avLst/>
+          </a:prstGeom>
+          <a:noFill/>
+          <a:ln>
+            <a:noFill/>
+          </a:ln>
+          <a:effectLst/>
+          <a:extLst>
+            <a:ext uri="{909E8E84-426E-40DD-AFC4-6F175D3DCCD1}">
+              <a14:hiddenFill xmlns:a14="http://schemas.microsoft.com/office/drawing/2010/main">
+                <a:solidFill>
+                  <a:schemeClr val="accent1"/>
+                </a:solidFill>
+              </a14:hiddenFill>
+            </a:ext>
+            <a:ext uri="{91240B29-F687-4F45-9708-019B960494DF}">
+              <a14:hiddenLine xmlns:a14="http://schemas.microsoft.com/office/drawing/2010/main" w="9525">
+                <a:solidFill>
+                  <a:schemeClr val="tx1"/>
+                </a:solidFill>
+                <a:miter lim="800000"/>
+                <a:headEnd/>
+                <a:tailEnd/>
+              </a14:hiddenLine>
+            </a:ext>
+            <a:ext uri="{AF507438-7753-43E0-B8FC-AC1667EBCBE1}">
+              <a14:hiddenEffects xmlns:a14="http://schemas.microsoft.com/office/drawing/2010/main">
+                <a:effectLst>
+                  <a:outerShdw dist="35921" dir="2700000" algn="ctr" rotWithShape="0">
+                    <a:schemeClr val="bg2"/>
+                  </a:outerShdw>
+                </a:effectLst>
+              </a14:hiddenEffects>
+            </a:ext>
+          </a:extLst>
+        </p:spPr>
+      </p:pic>
+    </p:spTree>
+    <p:extLst>
+      <p:ext uri="{BB962C8B-B14F-4D97-AF65-F5344CB8AC3E}">
+        <p14:creationId xmlns:p14="http://schemas.microsoft.com/office/powerpoint/2010/main" val="1167761020"/>
+      </p:ext>
+    </p:extLst>
+  </p:cSld>
+  <p:clrMapOvr>
+    <a:masterClrMapping/>
+  </p:clrMapOvr>
+  <p:timing>
+    <p:tnLst>
+      <p:par>
+        <p:cTn id="1" dur="indefinite" restart="never" nodeType="tmRoot">
+          <p:childTnLst>
+            <p:seq concurrent="1" nextAc="seek">
+              <p:cTn id="2" dur="indefinite" nodeType="mainSeq">
+                <p:childTnLst>
+                  <p:par>
+                    <p:cTn id="3" fill="hold">
+                      <p:stCondLst>
+                        <p:cond delay="indefinite"/>
+                      </p:stCondLst>
+                      <p:childTnLst>
+                        <p:par>
+                          <p:cTn id="4" fill="hold">
+                            <p:stCondLst>
+                              <p:cond delay="0"/>
+                            </p:stCondLst>
+                            <p:childTnLst>
+                              <p:par>
+                                <p:cTn id="5" presetID="42" presetClass="entr" presetSubtype="0" fill="hold" nodeType="clickEffect">
+                                  <p:stCondLst>
+                                    <p:cond delay="0"/>
+                                  </p:stCondLst>
+                                  <p:childTnLst>
+                                    <p:set>
+                                      <p:cBhvr>
+                                        <p:cTn id="6" dur="1" fill="hold">
+                                          <p:stCondLst>
+                                            <p:cond delay="0"/>
+                                          </p:stCondLst>
+                                        </p:cTn>
+                                        <p:tgtEl>
+                                          <p:spTgt spid="1026"/>
+                                        </p:tgtEl>
+                                        <p:attrNameLst>
+                                          <p:attrName>style.visibility</p:attrName>
+                                        </p:attrNameLst>
+                                      </p:cBhvr>
+                                      <p:to>
+                                        <p:strVal val="visible"/>
+                                      </p:to>
+                                    </p:set>
+                                    <p:animEffect transition="in" filter="fade">
+                                      <p:cBhvr>
+                                        <p:cTn id="7" dur="1000"/>
+                                        <p:tgtEl>
+                                          <p:spTgt spid="1026"/>
+                                        </p:tgtEl>
+                                      </p:cBhvr>
+                                    </p:animEffect>
+                                    <p:anim calcmode="lin" valueType="num">
+                                      <p:cBhvr>
+                                        <p:cTn id="8" dur="1000" fill="hold"/>
+                                        <p:tgtEl>
+                                          <p:spTgt spid="1026"/>
+                                        </p:tgtEl>
+                                        <p:attrNameLst>
+                                          <p:attrName>ppt_x</p:attrName>
+                                        </p:attrNameLst>
+                                      </p:cBhvr>
+                                      <p:tavLst>
+                                        <p:tav tm="0">
+                                          <p:val>
+                                            <p:strVal val="#ppt_x"/>
+                                          </p:val>
+                                        </p:tav>
+                                        <p:tav tm="100000">
+                                          <p:val>
+                                            <p:strVal val="#ppt_x"/>
+                                          </p:val>
+                                        </p:tav>
+                                      </p:tavLst>
+                                    </p:anim>
+                                    <p:anim calcmode="lin" valueType="num">
+                                      <p:cBhvr>
+                                        <p:cTn id="9" dur="1000" fill="hold"/>
+                                        <p:tgtEl>
+                                          <p:spTgt spid="1026"/>
+                                        </p:tgtEl>
+                                        <p:attrNameLst>
+                                          <p:attrName>ppt_y</p:attrName>
+                                        </p:attrNameLst>
+                                      </p:cBhvr>
+                                      <p:tavLst>
+                                        <p:tav tm="0">
+                                          <p:val>
+                                            <p:strVal val="#ppt_y+.1"/>
+                                          </p:val>
+                                        </p:tav>
+                                        <p:tav tm="100000">
+                                          <p:val>
+                                            <p:strVal val="#ppt_y"/>
+                                          </p:val>
+                                        </p:tav>
+                                      </p:tavLst>
+                                    </p:anim>
+                                  </p:childTnLst>
+                                </p:cTn>
+                              </p:par>
+                            </p:childTnLst>
+                          </p:cTn>
+                        </p:par>
+                      </p:childTnLst>
+                    </p:cTn>
+                  </p:par>
+                </p:childTnLst>
+              </p:cTn>
+              <p:prevCondLst>
+                <p:cond evt="onPrev" delay="0">
+                  <p:tgtEl>
+                    <p:sldTgt/>
+                  </p:tgtEl>
+                </p:cond>
+              </p:prevCondLst>
+              <p:nextCondLst>
+                <p:cond evt="onNext" delay="0">
+                  <p:tgtEl>
+                    <p:sldTgt/>
+                  </p:tgtEl>
+                </p:cond>
+              </p:nextCondLst>
+            </p:seq>
+          </p:childTnLst>
+        </p:cTn>
+      </p:par>
+    </p:tnLst>
+  </p:timing>
+</p:sld>
+</file>
+
+<file path=ppt/slides/slide6.xml><?xml version="1.0" encoding="utf-8"?>
+<p:sld xmlns:a="http://schemas.openxmlformats.org/drawingml/2006/main" xmlns:r="http://schemas.openxmlformats.org/officeDocument/2006/relationships" xmlns:p="http://schemas.openxmlformats.org/presentationml/2006/main">
+  <p:cSld>
+    <p:spTree>
+      <p:nvGrpSpPr>
+        <p:cNvPr id="1" name=""/>
+        <p:cNvGrpSpPr/>
+        <p:nvPr/>
+      </p:nvGrpSpPr>
+      <p:grpSpPr>
+        <a:xfrm>
+          <a:off x="0" y="0"/>
+          <a:ext cx="0" cy="0"/>
+          <a:chOff x="0" y="0"/>
+          <a:chExt cx="0" cy="0"/>
+        </a:xfrm>
+      </p:grpSpPr>
+      <p:sp>
+        <p:nvSpPr>
+          <p:cNvPr id="2" name="内容占位符 1"/>
+          <p:cNvSpPr>
+            <a:spLocks noGrp="1"/>
+          </p:cNvSpPr>
+          <p:nvPr>
+            <p:ph idx="1"/>
+          </p:nvPr>
+        </p:nvSpPr>
         <p:spPr>
           <a:xfrm>
             <a:off x="827584" y="1844824"/>
@@ -17454,7 +19739,7 @@
           <a:p>
             <a:fld id="{0C913308-F349-4B6D-A68A-DD1791B4A57B}" type="slidenum">
               <a:rPr lang="zh-CN" altLang="en-US" smtClean="0"/>
-              <a:t>5</a:t>
+              <a:t>6</a:t>
             </a:fld>
             <a:endParaRPr lang="zh-CN" altLang="en-US" dirty="0"/>
           </a:p>
@@ -17668,7 +19953,7 @@
 </p:sld>
 </file>
 
-<file path=ppt/slides/slide6.xml><?xml version="1.0" encoding="utf-8"?>
+<file path=ppt/slides/slide7.xml><?xml version="1.0" encoding="utf-8"?>
 <p:sld xmlns:a="http://schemas.openxmlformats.org/drawingml/2006/main" xmlns:r="http://schemas.openxmlformats.org/officeDocument/2006/relationships" xmlns:p="http://schemas.openxmlformats.org/presentationml/2006/main">
   <p:cSld>
     <p:spTree>
@@ -17832,7 +20117,23 @@
                   <a:schemeClr val="tx1"/>
                 </a:solidFill>
               </a:rPr>
-              <a:t>嵌入式系统的全部软、硬件资源的分配、任务调度，控制、</a:t>
+              <a:t>嵌入式系统的全部软、硬件资源的分配</a:t>
+            </a:r>
+            <a:r>
+              <a:rPr lang="zh-CN" altLang="en-US" sz="2000" dirty="0" smtClean="0">
+                <a:solidFill>
+                  <a:schemeClr val="tx1"/>
+                </a:solidFill>
+              </a:rPr>
+              <a:t>、线程调度</a:t>
+            </a:r>
+            <a:r>
+              <a:rPr lang="zh-CN" altLang="en-US" sz="2000" dirty="0">
+                <a:solidFill>
+                  <a:schemeClr val="tx1"/>
+                </a:solidFill>
+              </a:rPr>
+              <a:t>，控制、</a:t>
             </a:r>
             <a:r>
               <a:rPr lang="zh-CN" altLang="en-US" sz="2000" dirty="0" smtClean="0">
@@ -17880,7 +20181,23 @@
                   <a:schemeClr val="tx1"/>
                 </a:solidFill>
               </a:rPr>
-              <a:t>线程（任务）都是</a:t>
+              <a:t>线程</a:t>
+            </a:r>
+            <a:r>
+              <a:rPr lang="zh-CN" altLang="en-US" sz="2000" dirty="0" smtClean="0">
+                <a:solidFill>
+                  <a:schemeClr val="tx1"/>
+                </a:solidFill>
+              </a:rPr>
+              <a:t>（线程）</a:t>
+            </a:r>
+            <a:r>
+              <a:rPr lang="zh-CN" altLang="en-US" sz="2000" dirty="0" smtClean="0">
+                <a:solidFill>
+                  <a:schemeClr val="tx1"/>
+                </a:solidFill>
+              </a:rPr>
+              <a:t>都是</a:t>
             </a:r>
             <a:r>
               <a:rPr lang="zh-CN" altLang="en-US" sz="2000" dirty="0">
@@ -17936,7 +20253,15 @@
                   <a:schemeClr val="tx1"/>
                 </a:solidFill>
               </a:rPr>
-              <a:t>抢占式内核，运行的永远是具有最高优先级的就绪任务。</a:t>
+              <a:t>抢占式内核，运行的永远是具有最高优先级的</a:t>
+            </a:r>
+            <a:r>
+              <a:rPr lang="zh-CN" altLang="en-US" sz="2000" dirty="0" smtClean="0">
+                <a:solidFill>
+                  <a:schemeClr val="tx1"/>
+                </a:solidFill>
+              </a:rPr>
+              <a:t>就绪线程。</a:t>
             </a:r>
             <a:r>
               <a:rPr lang="zh-CN" altLang="en-US" dirty="0"/>
@@ -18027,7 +20352,7 @@
           <a:p>
             <a:fld id="{0C913308-F349-4B6D-A68A-DD1791B4A57B}" type="slidenum">
               <a:rPr lang="zh-CN" altLang="en-US" smtClean="0"/>
-              <a:t>6</a:t>
+              <a:t>7</a:t>
             </a:fld>
             <a:endParaRPr lang="zh-CN" altLang="en-US" dirty="0"/>
           </a:p>
@@ -18082,7 +20407,7 @@
 </p:sld>
 </file>
 
-<file path=ppt/slides/slide7.xml><?xml version="1.0" encoding="utf-8"?>
+<file path=ppt/slides/slide8.xml><?xml version="1.0" encoding="utf-8"?>
 <p:sld xmlns:a="http://schemas.openxmlformats.org/drawingml/2006/main" xmlns:r="http://schemas.openxmlformats.org/officeDocument/2006/relationships" xmlns:p="http://schemas.openxmlformats.org/presentationml/2006/main">
   <p:cSld>
     <p:spTree>
@@ -18219,7 +20544,7 @@
           <a:p>
             <a:fld id="{0C913308-F349-4B6D-A68A-DD1791B4A57B}" type="slidenum">
               <a:rPr lang="zh-CN" altLang="en-US" smtClean="0"/>
-              <a:t>7</a:t>
+              <a:t>8</a:t>
             </a:fld>
             <a:endParaRPr lang="zh-CN" altLang="en-US" dirty="0"/>
           </a:p>
@@ -18726,7 +21051,7 @@
 </p:sld>
 </file>
 
-<file path=ppt/slides/slide8.xml><?xml version="1.0" encoding="utf-8"?>
+<file path=ppt/slides/slide9.xml><?xml version="1.0" encoding="utf-8"?>
 <p:sld xmlns:a="http://schemas.openxmlformats.org/drawingml/2006/main" xmlns:r="http://schemas.openxmlformats.org/officeDocument/2006/relationships" xmlns:p="http://schemas.openxmlformats.org/presentationml/2006/main">
   <p:cSld>
     <p:spTree>
@@ -18821,7 +21146,7 @@
           <a:p>
             <a:fld id="{0C913308-F349-4B6D-A68A-DD1791B4A57B}" type="slidenum">
               <a:rPr lang="zh-CN" altLang="en-US" smtClean="0"/>
-              <a:t>8</a:t>
+              <a:t>9</a:t>
             </a:fld>
             <a:endParaRPr lang="zh-CN" altLang="en-US" dirty="0"/>
           </a:p>
@@ -18960,7 +21285,15 @@
                   <a:schemeClr val="tx1"/>
                 </a:solidFill>
               </a:rPr>
-              <a:t>终止当前线程，将寄存器的内容压进任务栈</a:t>
+              <a:t>终止当前线程，将寄存器的内容压</a:t>
+            </a:r>
+            <a:r>
+              <a:rPr lang="zh-CN" altLang="en-US" dirty="0" smtClean="0">
+                <a:solidFill>
+                  <a:schemeClr val="tx1"/>
+                </a:solidFill>
+              </a:rPr>
+              <a:t>进线程栈</a:t>
             </a:r>
             <a:endParaRPr lang="en-US" altLang="zh-CN" dirty="0" smtClean="0">
               <a:solidFill>
@@ -19624,995 +21957,6 @@
       <p:bldP spid="12" grpId="0" animBg="1"/>
       <p:bldP spid="16" grpId="0" animBg="1"/>
     </p:bldLst>
-  </p:timing>
-</p:sld>
-</file>
-
-<file path=ppt/slides/slide9.xml><?xml version="1.0" encoding="utf-8"?>
-<p:sld xmlns:a="http://schemas.openxmlformats.org/drawingml/2006/main" xmlns:r="http://schemas.openxmlformats.org/officeDocument/2006/relationships" xmlns:p="http://schemas.openxmlformats.org/presentationml/2006/main">
-  <p:cSld>
-    <p:spTree>
-      <p:nvGrpSpPr>
-        <p:cNvPr id="1" name=""/>
-        <p:cNvGrpSpPr/>
-        <p:nvPr/>
-      </p:nvGrpSpPr>
-      <p:grpSpPr>
-        <a:xfrm>
-          <a:off x="0" y="0"/>
-          <a:ext cx="0" cy="0"/>
-          <a:chOff x="0" y="0"/>
-          <a:chExt cx="0" cy="0"/>
-        </a:xfrm>
-      </p:grpSpPr>
-      <p:sp>
-        <p:nvSpPr>
-          <p:cNvPr id="3" name="页脚占位符 2"/>
-          <p:cNvSpPr>
-            <a:spLocks noGrp="1"/>
-          </p:cNvSpPr>
-          <p:nvPr>
-            <p:ph type="ftr" sz="quarter" idx="11"/>
-          </p:nvPr>
-        </p:nvSpPr>
-        <p:spPr>
-          <a:xfrm>
-            <a:off x="0" y="6381328"/>
-            <a:ext cx="9144000" cy="365125"/>
-          </a:xfrm>
-        </p:spPr>
-        <p:txBody>
-          <a:bodyPr/>
-          <a:lstStyle/>
-          <a:p>
-            <a:r>
-              <a:rPr lang="en-US" altLang="zh-CN" b="1" dirty="0"/>
-              <a:t>RT-Thread </a:t>
-            </a:r>
-            <a:r>
-              <a:rPr lang="zh-CN" altLang="en-US" b="1" dirty="0"/>
-              <a:t>物联网操作系统</a:t>
-            </a:r>
-            <a:r>
-              <a:rPr lang="en-US" altLang="zh-CN" b="1" dirty="0"/>
-              <a:t>							</a:t>
-            </a:r>
-            <a:r>
-              <a:rPr lang="zh-CN" altLang="en-US" sz="1100" b="1" dirty="0"/>
-              <a:t>学习交流群：</a:t>
-            </a:r>
-            <a:r>
-              <a:rPr lang="en-US" altLang="zh-CN" sz="1100" b="1" dirty="0">
-                <a:solidFill>
-                  <a:srgbClr val="FF0000"/>
-                </a:solidFill>
-                <a:latin typeface="Malgun Gothic" pitchFamily="34" charset="-127"/>
-                <a:ea typeface="Malgun Gothic" pitchFamily="34" charset="-127"/>
-              </a:rPr>
-              <a:t>783234154</a:t>
-            </a:r>
-            <a:endParaRPr lang="zh-CN" altLang="en-US" b="1" dirty="0">
-              <a:solidFill>
-                <a:srgbClr val="FF0000"/>
-              </a:solidFill>
-              <a:latin typeface="Malgun Gothic" pitchFamily="34" charset="-127"/>
-              <a:ea typeface="Malgun Gothic" pitchFamily="34" charset="-127"/>
-            </a:endParaRPr>
-          </a:p>
-        </p:txBody>
-      </p:sp>
-      <p:sp>
-        <p:nvSpPr>
-          <p:cNvPr id="4" name="灯片编号占位符 3"/>
-          <p:cNvSpPr>
-            <a:spLocks noGrp="1"/>
-          </p:cNvSpPr>
-          <p:nvPr>
-            <p:ph type="sldNum" sz="quarter" idx="12"/>
-          </p:nvPr>
-        </p:nvSpPr>
-        <p:spPr>
-          <a:xfrm>
-            <a:off x="3995936" y="6381328"/>
-            <a:ext cx="1161826" cy="365125"/>
-          </a:xfrm>
-        </p:spPr>
-        <p:txBody>
-          <a:bodyPr/>
-          <a:lstStyle/>
-          <a:p>
-            <a:fld id="{0C913308-F349-4B6D-A68A-DD1791B4A57B}" type="slidenum">
-              <a:rPr lang="zh-CN" altLang="en-US" smtClean="0"/>
-              <a:t>9</a:t>
-            </a:fld>
-            <a:endParaRPr lang="zh-CN" altLang="en-US" dirty="0"/>
-          </a:p>
-        </p:txBody>
-      </p:sp>
-      <p:sp>
-        <p:nvSpPr>
-          <p:cNvPr id="5" name="标题 4"/>
-          <p:cNvSpPr>
-            <a:spLocks noGrp="1"/>
-          </p:cNvSpPr>
-          <p:nvPr>
-            <p:ph type="title"/>
-          </p:nvPr>
-        </p:nvSpPr>
-        <p:spPr/>
-        <p:txBody>
-          <a:bodyPr>
-            <a:normAutofit/>
-          </a:bodyPr>
-          <a:lstStyle/>
-          <a:p>
-            <a:r>
-              <a:rPr lang="zh-CN" altLang="en-US" dirty="0" smtClean="0"/>
-              <a:t>前后台系统与</a:t>
-            </a:r>
-            <a:r>
-              <a:rPr lang="en-US" altLang="zh-CN" dirty="0" smtClean="0"/>
-              <a:t>OS</a:t>
-            </a:r>
-            <a:r>
-              <a:rPr lang="zh-CN" altLang="en-US" dirty="0" smtClean="0"/>
-              <a:t>的比较</a:t>
-            </a:r>
-            <a:endParaRPr lang="zh-CN" altLang="en-US" dirty="0"/>
-          </a:p>
-        </p:txBody>
-      </p:sp>
-      <p:graphicFrame>
-        <p:nvGraphicFramePr>
-          <p:cNvPr id="6" name="内容占位符 5"/>
-          <p:cNvGraphicFramePr>
-            <a:graphicFrameLocks noGrp="1"/>
-          </p:cNvGraphicFramePr>
-          <p:nvPr>
-            <p:ph idx="1"/>
-            <p:extLst>
-              <p:ext uri="{D42A27DB-BD31-4B8C-83A1-F6EECF244321}">
-                <p14:modId xmlns:p14="http://schemas.microsoft.com/office/powerpoint/2010/main" val="3775535164"/>
-              </p:ext>
-            </p:extLst>
-          </p:nvPr>
-        </p:nvGraphicFramePr>
-        <p:xfrm>
-          <a:off x="763537" y="1340768"/>
-          <a:ext cx="7408863" cy="4577080"/>
-        </p:xfrm>
-        <a:graphic>
-          <a:graphicData uri="http://schemas.openxmlformats.org/drawingml/2006/table">
-            <a:tbl>
-              <a:tblPr firstRow="1" bandRow="1">
-                <a:tableStyleId>{5C22544A-7EE6-4342-B048-85BDC9FD1C3A}</a:tableStyleId>
-              </a:tblPr>
-              <a:tblGrid>
-                <a:gridCol w="1108174"/>
-                <a:gridCol w="2808312"/>
-                <a:gridCol w="3492377"/>
-              </a:tblGrid>
-              <a:tr h="370840">
-                <a:tc>
-                  <a:txBody>
-                    <a:bodyPr/>
-                    <a:lstStyle/>
-                    <a:p>
-                      <a:endParaRPr lang="zh-CN" altLang="en-US" dirty="0"/>
-                    </a:p>
-                  </a:txBody>
-                  <a:tcPr/>
-                </a:tc>
-                <a:tc>
-                  <a:txBody>
-                    <a:bodyPr/>
-                    <a:lstStyle/>
-                    <a:p>
-                      <a:r>
-                        <a:rPr lang="zh-CN" altLang="en-US" dirty="0" smtClean="0"/>
-                        <a:t>前后台系统</a:t>
-                      </a:r>
-                      <a:endParaRPr lang="zh-CN" altLang="en-US" dirty="0"/>
-                    </a:p>
-                  </a:txBody>
-                  <a:tcPr/>
-                </a:tc>
-                <a:tc>
-                  <a:txBody>
-                    <a:bodyPr/>
-                    <a:lstStyle/>
-                    <a:p>
-                      <a:r>
-                        <a:rPr lang="zh-CN" altLang="en-US" dirty="0" smtClean="0"/>
-                        <a:t>实时操作系统</a:t>
-                      </a:r>
-                      <a:endParaRPr lang="zh-CN" altLang="en-US" dirty="0"/>
-                    </a:p>
-                  </a:txBody>
-                  <a:tcPr/>
-                </a:tc>
-              </a:tr>
-              <a:tr h="370840">
-                <a:tc>
-                  <a:txBody>
-                    <a:bodyPr/>
-                    <a:lstStyle/>
-                    <a:p>
-                      <a:r>
-                        <a:rPr lang="zh-CN" altLang="en-US" dirty="0" smtClean="0"/>
-                        <a:t>资源</a:t>
-                      </a:r>
-                      <a:endParaRPr lang="zh-CN" altLang="en-US" dirty="0"/>
-                    </a:p>
-                  </a:txBody>
-                  <a:tcPr/>
-                </a:tc>
-                <a:tc>
-                  <a:txBody>
-                    <a:bodyPr/>
-                    <a:lstStyle/>
-                    <a:p>
-                      <a:r>
-                        <a:rPr lang="zh-CN" altLang="en-US" dirty="0" smtClean="0"/>
-                        <a:t>不需要分配空间给</a:t>
-                      </a:r>
-                      <a:r>
-                        <a:rPr lang="en-US" altLang="zh-CN" dirty="0" err="1" smtClean="0"/>
-                        <a:t>os</a:t>
-                      </a:r>
-                      <a:endParaRPr lang="zh-CN" altLang="en-US" dirty="0"/>
-                    </a:p>
-                  </a:txBody>
-                  <a:tcPr/>
-                </a:tc>
-                <a:tc>
-                  <a:txBody>
-                    <a:bodyPr/>
-                    <a:lstStyle/>
-                    <a:p>
-                      <a:r>
-                        <a:rPr lang="zh-CN" altLang="en-US" sz="1800" kern="1200" dirty="0">
-                          <a:solidFill>
-                            <a:schemeClr val="dk1"/>
-                          </a:solidFill>
-                          <a:latin typeface="+mn-lt"/>
-                          <a:ea typeface="+mn-ea"/>
-                          <a:cs typeface="+mn-cs"/>
-                        </a:rPr>
-                        <a:t>需要分配资源给</a:t>
-                      </a:r>
-                      <a:r>
-                        <a:rPr lang="en-US" altLang="zh-CN" sz="1800" kern="1200" dirty="0">
-                          <a:solidFill>
-                            <a:schemeClr val="dk1"/>
-                          </a:solidFill>
-                          <a:latin typeface="+mn-lt"/>
-                          <a:ea typeface="+mn-ea"/>
-                          <a:cs typeface="+mn-cs"/>
-                        </a:rPr>
-                        <a:t>OS</a:t>
-                      </a:r>
-                      <a:r>
-                        <a:rPr lang="en-US" altLang="zh-CN" sz="1800" kern="1200" dirty="0" smtClean="0">
-                          <a:solidFill>
-                            <a:schemeClr val="dk1"/>
-                          </a:solidFill>
-                          <a:latin typeface="+mn-lt"/>
-                          <a:ea typeface="+mn-ea"/>
-                          <a:cs typeface="+mn-cs"/>
-                        </a:rPr>
-                        <a:t>(</a:t>
-                      </a:r>
-                      <a:r>
-                        <a:rPr lang="zh-CN" altLang="en-US" sz="1800" kern="1200" dirty="0" smtClean="0">
-                          <a:solidFill>
-                            <a:schemeClr val="dk1"/>
-                          </a:solidFill>
-                          <a:latin typeface="+mn-lt"/>
-                          <a:ea typeface="+mn-ea"/>
-                          <a:cs typeface="+mn-cs"/>
-                        </a:rPr>
-                        <a:t>不同的系统内核</a:t>
-                      </a:r>
-                      <a:r>
-                        <a:rPr lang="zh-CN" altLang="en-US" sz="1800" kern="1200" dirty="0">
-                          <a:solidFill>
-                            <a:schemeClr val="dk1"/>
-                          </a:solidFill>
-                          <a:latin typeface="+mn-lt"/>
-                          <a:ea typeface="+mn-ea"/>
-                          <a:cs typeface="+mn-cs"/>
-                        </a:rPr>
-                        <a:t>资源</a:t>
-                      </a:r>
-                      <a:r>
-                        <a:rPr lang="zh-CN" altLang="en-US" sz="1800" kern="1200" dirty="0" smtClean="0">
-                          <a:solidFill>
-                            <a:schemeClr val="dk1"/>
-                          </a:solidFill>
-                          <a:latin typeface="+mn-lt"/>
-                          <a:ea typeface="+mn-ea"/>
-                          <a:cs typeface="+mn-cs"/>
-                        </a:rPr>
-                        <a:t>使用情况不同</a:t>
-                      </a:r>
-                      <a:r>
-                        <a:rPr lang="en-US" altLang="zh-CN" sz="1800" kern="1200" dirty="0" smtClean="0">
-                          <a:solidFill>
-                            <a:schemeClr val="dk1"/>
-                          </a:solidFill>
-                          <a:latin typeface="+mn-lt"/>
-                          <a:ea typeface="+mn-ea"/>
-                          <a:cs typeface="+mn-cs"/>
-                        </a:rPr>
-                        <a:t>)</a:t>
-                      </a:r>
-                      <a:r>
-                        <a:rPr lang="zh-CN" altLang="en-US" sz="1800" kern="1200" dirty="0" smtClean="0">
-                          <a:solidFill>
-                            <a:schemeClr val="dk1"/>
-                          </a:solidFill>
-                          <a:latin typeface="+mn-lt"/>
-                          <a:ea typeface="+mn-ea"/>
-                          <a:cs typeface="+mn-cs"/>
-                        </a:rPr>
-                        <a:t>，内核资源也有不同，可通过配置文件进行配置</a:t>
-                      </a:r>
-                      <a:endParaRPr lang="zh-CN" altLang="en-US" sz="1800" kern="1200" dirty="0">
-                        <a:solidFill>
-                          <a:schemeClr val="dk1"/>
-                        </a:solidFill>
-                        <a:latin typeface="+mn-lt"/>
-                        <a:ea typeface="+mn-ea"/>
-                        <a:cs typeface="+mn-cs"/>
-                      </a:endParaRPr>
-                    </a:p>
-                  </a:txBody>
-                  <a:tcPr anchor="ctr"/>
-                </a:tc>
-              </a:tr>
-              <a:tr h="370840">
-                <a:tc>
-                  <a:txBody>
-                    <a:bodyPr/>
-                    <a:lstStyle/>
-                    <a:p>
-                      <a:r>
-                        <a:rPr lang="zh-CN" altLang="en-US" dirty="0" smtClean="0"/>
-                        <a:t>学习难度</a:t>
-                      </a:r>
-                      <a:endParaRPr lang="zh-CN" altLang="en-US" dirty="0"/>
-                    </a:p>
-                  </a:txBody>
-                  <a:tcPr/>
-                </a:tc>
-                <a:tc>
-                  <a:txBody>
-                    <a:bodyPr/>
-                    <a:lstStyle/>
-                    <a:p>
-                      <a:pPr marL="0" algn="l" defTabSz="914400" rtl="0" eaLnBrk="1" latinLnBrk="0" hangingPunct="1"/>
-                      <a:r>
-                        <a:rPr lang="zh-CN" altLang="en-US" sz="1800" kern="1200" dirty="0" smtClean="0">
-                          <a:solidFill>
-                            <a:schemeClr val="dk1"/>
-                          </a:solidFill>
-                          <a:latin typeface="+mn-lt"/>
-                          <a:ea typeface="+mn-ea"/>
-                          <a:cs typeface="+mn-cs"/>
-                        </a:rPr>
-                        <a:t>不需要学习</a:t>
-                      </a:r>
-                      <a:r>
-                        <a:rPr lang="en-US" altLang="zh-CN" sz="1800" kern="1200" dirty="0" smtClean="0">
-                          <a:solidFill>
-                            <a:schemeClr val="dk1"/>
-                          </a:solidFill>
-                          <a:latin typeface="+mn-lt"/>
-                          <a:ea typeface="+mn-ea"/>
-                          <a:cs typeface="+mn-cs"/>
-                        </a:rPr>
-                        <a:t>OS</a:t>
-                      </a:r>
-                      <a:r>
-                        <a:rPr lang="zh-CN" altLang="en-US" sz="1800" kern="1200" dirty="0" smtClean="0">
-                          <a:solidFill>
-                            <a:schemeClr val="dk1"/>
-                          </a:solidFill>
-                          <a:latin typeface="+mn-lt"/>
-                          <a:ea typeface="+mn-ea"/>
-                          <a:cs typeface="+mn-cs"/>
-                        </a:rPr>
-                        <a:t>的</a:t>
-                      </a:r>
-                      <a:r>
-                        <a:rPr lang="en-US" altLang="zh-CN" sz="1800" kern="1200" dirty="0" smtClean="0">
-                          <a:solidFill>
-                            <a:schemeClr val="dk1"/>
-                          </a:solidFill>
-                          <a:latin typeface="+mn-lt"/>
-                          <a:ea typeface="+mn-ea"/>
-                          <a:cs typeface="+mn-cs"/>
-                        </a:rPr>
-                        <a:t>API</a:t>
-                      </a:r>
-                      <a:r>
-                        <a:rPr lang="zh-CN" altLang="en-US" sz="1800" kern="1200" dirty="0" smtClean="0">
-                          <a:solidFill>
-                            <a:schemeClr val="dk1"/>
-                          </a:solidFill>
-                          <a:latin typeface="+mn-lt"/>
-                          <a:ea typeface="+mn-ea"/>
-                          <a:cs typeface="+mn-cs"/>
-                        </a:rPr>
-                        <a:t>，简单上手</a:t>
-                      </a:r>
-                      <a:endParaRPr lang="zh-CN" altLang="en-US" sz="1800" kern="1200" dirty="0">
-                        <a:solidFill>
-                          <a:schemeClr val="dk1"/>
-                        </a:solidFill>
-                        <a:latin typeface="+mn-lt"/>
-                        <a:ea typeface="+mn-ea"/>
-                        <a:cs typeface="+mn-cs"/>
-                      </a:endParaRPr>
-                    </a:p>
-                  </a:txBody>
-                  <a:tcPr anchor="ctr"/>
-                </a:tc>
-                <a:tc>
-                  <a:txBody>
-                    <a:bodyPr/>
-                    <a:lstStyle/>
-                    <a:p>
-                      <a:pPr marL="0" algn="l" defTabSz="914400" rtl="0" eaLnBrk="1" latinLnBrk="0" hangingPunct="1"/>
-                      <a:r>
-                        <a:rPr lang="zh-CN" altLang="en-US" sz="1800" kern="1200" dirty="0">
-                          <a:solidFill>
-                            <a:schemeClr val="dk1"/>
-                          </a:solidFill>
-                          <a:latin typeface="+mn-lt"/>
-                          <a:ea typeface="+mn-ea"/>
-                          <a:cs typeface="+mn-cs"/>
-                        </a:rPr>
-                        <a:t>开发者需要熟悉</a:t>
-                      </a:r>
-                      <a:r>
-                        <a:rPr lang="en-US" altLang="zh-CN" sz="1800" kern="1200" dirty="0">
-                          <a:solidFill>
-                            <a:schemeClr val="dk1"/>
-                          </a:solidFill>
-                          <a:latin typeface="+mn-lt"/>
-                          <a:ea typeface="+mn-ea"/>
-                          <a:cs typeface="+mn-cs"/>
-                        </a:rPr>
-                        <a:t>OS</a:t>
-                      </a:r>
-                      <a:r>
-                        <a:rPr lang="zh-CN" altLang="en-US" sz="1800" kern="1200" dirty="0">
-                          <a:solidFill>
-                            <a:schemeClr val="dk1"/>
-                          </a:solidFill>
-                          <a:latin typeface="+mn-lt"/>
-                          <a:ea typeface="+mn-ea"/>
-                          <a:cs typeface="+mn-cs"/>
-                        </a:rPr>
-                        <a:t>的基本</a:t>
-                      </a:r>
-                      <a:r>
-                        <a:rPr lang="zh-CN" altLang="en-US" sz="1800" kern="1200" dirty="0" smtClean="0">
-                          <a:solidFill>
-                            <a:schemeClr val="dk1"/>
-                          </a:solidFill>
-                          <a:latin typeface="+mn-lt"/>
-                          <a:ea typeface="+mn-ea"/>
-                          <a:cs typeface="+mn-cs"/>
-                        </a:rPr>
-                        <a:t>操作</a:t>
-                      </a:r>
-                      <a:r>
-                        <a:rPr lang="en-US" altLang="zh-CN" sz="1800" kern="1200" dirty="0" smtClean="0">
-                          <a:solidFill>
-                            <a:schemeClr val="dk1"/>
-                          </a:solidFill>
-                          <a:latin typeface="+mn-lt"/>
-                          <a:ea typeface="+mn-ea"/>
-                          <a:cs typeface="+mn-cs"/>
-                        </a:rPr>
-                        <a:t>(</a:t>
-                      </a:r>
-                      <a:r>
-                        <a:rPr lang="zh-CN" altLang="en-US" sz="1800" kern="1200" dirty="0">
-                          <a:solidFill>
-                            <a:schemeClr val="dk1"/>
-                          </a:solidFill>
-                          <a:latin typeface="+mn-lt"/>
-                          <a:ea typeface="+mn-ea"/>
-                          <a:cs typeface="+mn-cs"/>
-                        </a:rPr>
-                        <a:t>任务建立</a:t>
-                      </a:r>
-                      <a:r>
-                        <a:rPr lang="en-US" altLang="zh-CN" sz="1800" kern="1200" dirty="0">
-                          <a:solidFill>
-                            <a:schemeClr val="dk1"/>
-                          </a:solidFill>
-                          <a:latin typeface="+mn-lt"/>
-                          <a:ea typeface="+mn-ea"/>
-                          <a:cs typeface="+mn-cs"/>
-                        </a:rPr>
-                        <a:t>/</a:t>
-                      </a:r>
-                      <a:r>
-                        <a:rPr lang="zh-CN" altLang="en-US" sz="1800" kern="1200" dirty="0">
-                          <a:solidFill>
-                            <a:schemeClr val="dk1"/>
-                          </a:solidFill>
-                          <a:latin typeface="+mn-lt"/>
-                          <a:ea typeface="+mn-ea"/>
-                          <a:cs typeface="+mn-cs"/>
-                        </a:rPr>
-                        <a:t>删除、任务间</a:t>
-                      </a:r>
-                      <a:r>
-                        <a:rPr lang="zh-CN" altLang="en-US" sz="1800" kern="1200" dirty="0" smtClean="0">
-                          <a:solidFill>
-                            <a:schemeClr val="dk1"/>
-                          </a:solidFill>
-                          <a:latin typeface="+mn-lt"/>
-                          <a:ea typeface="+mn-ea"/>
-                          <a:cs typeface="+mn-cs"/>
-                        </a:rPr>
-                        <a:t>通讯、优先级</a:t>
-                      </a:r>
-                      <a:r>
-                        <a:rPr lang="zh-CN" altLang="en-US" sz="1800" kern="1200" dirty="0">
-                          <a:solidFill>
-                            <a:schemeClr val="dk1"/>
-                          </a:solidFill>
-                          <a:latin typeface="+mn-lt"/>
-                          <a:ea typeface="+mn-ea"/>
-                          <a:cs typeface="+mn-cs"/>
-                        </a:rPr>
-                        <a:t>处理、</a:t>
-                      </a:r>
-                      <a:r>
-                        <a:rPr lang="zh-CN" altLang="en-US" sz="1800" kern="1200" dirty="0" smtClean="0">
-                          <a:solidFill>
-                            <a:schemeClr val="dk1"/>
-                          </a:solidFill>
-                          <a:latin typeface="+mn-lt"/>
-                          <a:ea typeface="+mn-ea"/>
-                          <a:cs typeface="+mn-cs"/>
-                        </a:rPr>
-                        <a:t>中断处理</a:t>
-                      </a:r>
-                      <a:r>
-                        <a:rPr lang="en-US" altLang="zh-CN" sz="1800" kern="1200" dirty="0" smtClean="0">
-                          <a:solidFill>
-                            <a:schemeClr val="dk1"/>
-                          </a:solidFill>
-                          <a:latin typeface="+mn-lt"/>
-                          <a:ea typeface="+mn-ea"/>
-                          <a:cs typeface="+mn-cs"/>
-                        </a:rPr>
-                        <a:t>…)</a:t>
-                      </a:r>
-                      <a:endParaRPr lang="zh-CN" altLang="en-US" sz="1800" kern="1200" dirty="0">
-                        <a:solidFill>
-                          <a:schemeClr val="dk1"/>
-                        </a:solidFill>
-                        <a:latin typeface="+mn-lt"/>
-                        <a:ea typeface="+mn-ea"/>
-                        <a:cs typeface="+mn-cs"/>
-                      </a:endParaRPr>
-                    </a:p>
-                  </a:txBody>
-                  <a:tcPr anchor="ctr"/>
-                </a:tc>
-              </a:tr>
-              <a:tr h="370840">
-                <a:tc>
-                  <a:txBody>
-                    <a:bodyPr/>
-                    <a:lstStyle/>
-                    <a:p>
-                      <a:pPr marL="0" algn="l" defTabSz="914400" rtl="0" eaLnBrk="1" latinLnBrk="0" hangingPunct="1"/>
-                      <a:r>
-                        <a:rPr lang="zh-CN" altLang="en-US" sz="1800" kern="1200" dirty="0" smtClean="0">
-                          <a:solidFill>
-                            <a:schemeClr val="dk1"/>
-                          </a:solidFill>
-                          <a:latin typeface="+mn-lt"/>
-                          <a:ea typeface="+mn-ea"/>
-                          <a:cs typeface="+mn-cs"/>
-                        </a:rPr>
-                        <a:t>实时性</a:t>
-                      </a:r>
-                      <a:endParaRPr lang="zh-CN" altLang="en-US" sz="1800" kern="1200" dirty="0">
-                        <a:solidFill>
-                          <a:schemeClr val="dk1"/>
-                        </a:solidFill>
-                        <a:latin typeface="+mn-lt"/>
-                        <a:ea typeface="+mn-ea"/>
-                        <a:cs typeface="+mn-cs"/>
-                      </a:endParaRPr>
-                    </a:p>
-                  </a:txBody>
-                  <a:tcPr/>
-                </a:tc>
-                <a:tc>
-                  <a:txBody>
-                    <a:bodyPr/>
-                    <a:lstStyle/>
-                    <a:p>
-                      <a:pPr marL="0" algn="l" defTabSz="914400" rtl="0" eaLnBrk="1" latinLnBrk="0" hangingPunct="1"/>
-                      <a:r>
-                        <a:rPr lang="zh-CN" altLang="en-US" sz="1800" kern="1200" dirty="0">
-                          <a:solidFill>
-                            <a:schemeClr val="dk1"/>
-                          </a:solidFill>
-                          <a:latin typeface="+mn-lt"/>
-                          <a:ea typeface="+mn-ea"/>
-                          <a:cs typeface="+mn-cs"/>
-                        </a:rPr>
-                        <a:t>难以确保每个操作</a:t>
-                      </a:r>
-                      <a:r>
-                        <a:rPr lang="zh-CN" altLang="en-US" sz="1800" kern="1200" dirty="0" smtClean="0">
-                          <a:solidFill>
-                            <a:schemeClr val="dk1"/>
-                          </a:solidFill>
-                          <a:latin typeface="+mn-lt"/>
-                          <a:ea typeface="+mn-ea"/>
-                          <a:cs typeface="+mn-cs"/>
-                        </a:rPr>
-                        <a:t>能够实时响应，</a:t>
-                      </a:r>
-                      <a:r>
-                        <a:rPr lang="zh-CN" altLang="en-US" sz="1800" kern="1200" dirty="0">
-                          <a:solidFill>
-                            <a:schemeClr val="dk1"/>
-                          </a:solidFill>
-                          <a:latin typeface="+mn-lt"/>
-                          <a:ea typeface="+mn-ea"/>
-                          <a:cs typeface="+mn-cs"/>
-                        </a:rPr>
-                        <a:t>如果一个</a:t>
-                      </a:r>
-                      <a:r>
-                        <a:rPr lang="zh-CN" altLang="en-US" sz="1800" kern="1200" dirty="0" smtClean="0">
-                          <a:solidFill>
-                            <a:schemeClr val="dk1"/>
-                          </a:solidFill>
-                          <a:latin typeface="+mn-lt"/>
-                          <a:ea typeface="+mn-ea"/>
-                          <a:cs typeface="+mn-cs"/>
-                        </a:rPr>
-                        <a:t>函数</a:t>
-                      </a:r>
-                      <a:r>
-                        <a:rPr lang="zh-CN" altLang="en-US" sz="1800" kern="1200" dirty="0">
-                          <a:solidFill>
-                            <a:schemeClr val="dk1"/>
-                          </a:solidFill>
-                          <a:latin typeface="+mn-lt"/>
-                          <a:ea typeface="+mn-ea"/>
-                          <a:cs typeface="+mn-cs"/>
-                        </a:rPr>
-                        <a:t>花费过长时间，将</a:t>
-                      </a:r>
-                      <a:r>
-                        <a:rPr lang="zh-CN" altLang="en-US" sz="1800" kern="1200" dirty="0" smtClean="0">
-                          <a:solidFill>
-                            <a:schemeClr val="dk1"/>
-                          </a:solidFill>
-                          <a:latin typeface="+mn-lt"/>
-                          <a:ea typeface="+mn-ea"/>
-                          <a:cs typeface="+mn-cs"/>
-                        </a:rPr>
-                        <a:t>使整个</a:t>
-                      </a:r>
-                      <a:r>
-                        <a:rPr lang="zh-CN" altLang="en-US" sz="1800" kern="1200" dirty="0">
-                          <a:solidFill>
-                            <a:schemeClr val="dk1"/>
-                          </a:solidFill>
-                          <a:latin typeface="+mn-lt"/>
-                          <a:ea typeface="+mn-ea"/>
-                          <a:cs typeface="+mn-cs"/>
-                        </a:rPr>
-                        <a:t>系统的实时性</a:t>
-                      </a:r>
-                      <a:r>
-                        <a:rPr lang="zh-CN" altLang="en-US" sz="1800" kern="1200" dirty="0" smtClean="0">
-                          <a:solidFill>
-                            <a:schemeClr val="dk1"/>
-                          </a:solidFill>
-                          <a:latin typeface="+mn-lt"/>
-                          <a:ea typeface="+mn-ea"/>
-                          <a:cs typeface="+mn-cs"/>
-                        </a:rPr>
-                        <a:t>下降</a:t>
-                      </a:r>
-                      <a:endParaRPr lang="en-US" altLang="zh-CN" sz="1800" kern="1200" dirty="0" smtClean="0">
-                        <a:solidFill>
-                          <a:schemeClr val="dk1"/>
-                        </a:solidFill>
-                        <a:latin typeface="+mn-lt"/>
-                        <a:ea typeface="+mn-ea"/>
-                        <a:cs typeface="+mn-cs"/>
-                      </a:endParaRPr>
-                    </a:p>
-                    <a:p>
-                      <a:pPr marL="0" algn="l" defTabSz="914400" rtl="0" eaLnBrk="1" latinLnBrk="0" hangingPunct="1"/>
-                      <a:r>
-                        <a:rPr lang="zh-CN" altLang="en-US" sz="1800" kern="1200" dirty="0" smtClean="0">
-                          <a:solidFill>
-                            <a:srgbClr val="FF0000"/>
-                          </a:solidFill>
-                          <a:latin typeface="+mn-lt"/>
-                          <a:ea typeface="+mn-ea"/>
-                          <a:cs typeface="+mn-cs"/>
-                        </a:rPr>
-                        <a:t>实时响应，轮询处理</a:t>
-                      </a:r>
-                      <a:endParaRPr lang="zh-CN" altLang="en-US" sz="1800" kern="1200" dirty="0">
-                        <a:solidFill>
-                          <a:srgbClr val="FF0000"/>
-                        </a:solidFill>
-                        <a:latin typeface="+mn-lt"/>
-                        <a:ea typeface="+mn-ea"/>
-                        <a:cs typeface="+mn-cs"/>
-                      </a:endParaRPr>
-                    </a:p>
-                  </a:txBody>
-                  <a:tcPr anchor="ctr"/>
-                </a:tc>
-                <a:tc>
-                  <a:txBody>
-                    <a:bodyPr/>
-                    <a:lstStyle/>
-                    <a:p>
-                      <a:pPr marL="0" algn="l" defTabSz="914400" rtl="0" eaLnBrk="1" latinLnBrk="0" hangingPunct="1"/>
-                      <a:r>
-                        <a:rPr lang="zh-CN" altLang="en-US" sz="1800" kern="1200" dirty="0">
-                          <a:solidFill>
-                            <a:schemeClr val="dk1"/>
-                          </a:solidFill>
-                          <a:latin typeface="+mn-lt"/>
-                          <a:ea typeface="+mn-ea"/>
-                          <a:cs typeface="+mn-cs"/>
-                        </a:rPr>
-                        <a:t>实时嵌入式</a:t>
-                      </a:r>
-                      <a:r>
-                        <a:rPr lang="en-US" altLang="zh-CN" sz="1800" kern="1200" dirty="0">
-                          <a:solidFill>
-                            <a:schemeClr val="dk1"/>
-                          </a:solidFill>
-                          <a:latin typeface="+mn-lt"/>
-                          <a:ea typeface="+mn-ea"/>
-                          <a:cs typeface="+mn-cs"/>
-                        </a:rPr>
-                        <a:t>OS</a:t>
-                      </a:r>
-                      <a:r>
-                        <a:rPr lang="zh-CN" altLang="en-US" sz="1800" kern="1200" dirty="0">
-                          <a:solidFill>
-                            <a:schemeClr val="dk1"/>
-                          </a:solidFill>
-                          <a:latin typeface="+mn-lt"/>
-                          <a:ea typeface="+mn-ea"/>
-                          <a:cs typeface="+mn-cs"/>
-                        </a:rPr>
-                        <a:t>的调度算法可以</a:t>
-                      </a:r>
-                      <a:br>
-                        <a:rPr lang="zh-CN" altLang="en-US" sz="1800" kern="1200" dirty="0">
-                          <a:solidFill>
-                            <a:schemeClr val="dk1"/>
-                          </a:solidFill>
-                          <a:latin typeface="+mn-lt"/>
-                          <a:ea typeface="+mn-ea"/>
-                          <a:cs typeface="+mn-cs"/>
-                        </a:rPr>
-                      </a:br>
-                      <a:r>
-                        <a:rPr lang="zh-CN" altLang="en-US" sz="1800" kern="1200" dirty="0">
-                          <a:solidFill>
-                            <a:schemeClr val="dk1"/>
-                          </a:solidFill>
-                          <a:latin typeface="+mn-lt"/>
-                          <a:ea typeface="+mn-ea"/>
-                          <a:cs typeface="+mn-cs"/>
-                        </a:rPr>
-                        <a:t>最大程度保证系统的实时</a:t>
-                      </a:r>
-                      <a:r>
-                        <a:rPr lang="zh-CN" altLang="en-US" sz="1800" kern="1200" dirty="0" smtClean="0">
-                          <a:solidFill>
-                            <a:schemeClr val="dk1"/>
-                          </a:solidFill>
-                          <a:latin typeface="+mn-lt"/>
-                          <a:ea typeface="+mn-ea"/>
-                          <a:cs typeface="+mn-cs"/>
-                        </a:rPr>
-                        <a:t>性</a:t>
-                      </a:r>
-                      <a:endParaRPr lang="en-US" altLang="zh-CN" sz="1800" kern="1200" dirty="0" smtClean="0">
-                        <a:solidFill>
-                          <a:schemeClr val="dk1"/>
-                        </a:solidFill>
-                        <a:latin typeface="+mn-lt"/>
-                        <a:ea typeface="+mn-ea"/>
-                        <a:cs typeface="+mn-cs"/>
-                      </a:endParaRPr>
-                    </a:p>
-                    <a:p>
-                      <a:pPr marL="0" marR="0" indent="0" algn="l" defTabSz="914400" rtl="0" eaLnBrk="1" fontAlgn="auto" latinLnBrk="0" hangingPunct="1">
-                        <a:lnSpc>
-                          <a:spcPct val="100000"/>
-                        </a:lnSpc>
-                        <a:spcBef>
-                          <a:spcPts val="0"/>
-                        </a:spcBef>
-                        <a:spcAft>
-                          <a:spcPts val="0"/>
-                        </a:spcAft>
-                        <a:buClrTx/>
-                        <a:buSzTx/>
-                        <a:buFontTx/>
-                        <a:buNone/>
-                        <a:tabLst/>
-                        <a:defRPr/>
-                      </a:pPr>
-                      <a:r>
-                        <a:rPr lang="zh-CN" altLang="en-US" sz="1800" kern="1200" dirty="0" smtClean="0">
-                          <a:solidFill>
-                            <a:srgbClr val="FF0000"/>
-                          </a:solidFill>
-                          <a:latin typeface="+mn-lt"/>
-                          <a:ea typeface="+mn-ea"/>
-                          <a:cs typeface="+mn-cs"/>
-                        </a:rPr>
-                        <a:t>实时响应，实时处理</a:t>
-                      </a:r>
-                    </a:p>
-                    <a:p>
-                      <a:pPr marL="0" algn="l" defTabSz="914400" rtl="0" eaLnBrk="1" latinLnBrk="0" hangingPunct="1"/>
-                      <a:endParaRPr lang="zh-CN" altLang="en-US" sz="1800" kern="1200" dirty="0">
-                        <a:solidFill>
-                          <a:schemeClr val="dk1"/>
-                        </a:solidFill>
-                        <a:latin typeface="+mn-lt"/>
-                        <a:ea typeface="+mn-ea"/>
-                        <a:cs typeface="+mn-cs"/>
-                      </a:endParaRPr>
-                    </a:p>
-                  </a:txBody>
-                  <a:tcPr anchor="ctr"/>
-                </a:tc>
-              </a:tr>
-              <a:tr h="370840">
-                <a:tc>
-                  <a:txBody>
-                    <a:bodyPr/>
-                    <a:lstStyle/>
-                    <a:p>
-                      <a:pPr marL="0" algn="l" defTabSz="914400" rtl="0" eaLnBrk="1" latinLnBrk="0" hangingPunct="1"/>
-                      <a:r>
-                        <a:rPr lang="zh-CN" altLang="en-US" sz="1800" kern="1200" dirty="0" smtClean="0">
-                          <a:solidFill>
-                            <a:schemeClr val="dk1"/>
-                          </a:solidFill>
-                          <a:latin typeface="+mn-lt"/>
-                          <a:ea typeface="+mn-ea"/>
-                          <a:cs typeface="+mn-cs"/>
-                        </a:rPr>
-                        <a:t>可扩展性、可维护性</a:t>
-                      </a:r>
-                      <a:endParaRPr lang="zh-CN" altLang="en-US" sz="1800" kern="1200" dirty="0">
-                        <a:solidFill>
-                          <a:schemeClr val="dk1"/>
-                        </a:solidFill>
-                        <a:latin typeface="+mn-lt"/>
-                        <a:ea typeface="+mn-ea"/>
-                        <a:cs typeface="+mn-cs"/>
-                      </a:endParaRPr>
-                    </a:p>
-                  </a:txBody>
-                  <a:tcPr/>
-                </a:tc>
-                <a:tc>
-                  <a:txBody>
-                    <a:bodyPr/>
-                    <a:lstStyle/>
-                    <a:p>
-                      <a:pPr marL="0" algn="l" defTabSz="914400" rtl="0" eaLnBrk="1" latinLnBrk="0" hangingPunct="1"/>
-                      <a:r>
-                        <a:rPr lang="zh-CN" altLang="en-US" sz="1800" kern="1200" dirty="0" smtClean="0">
-                          <a:solidFill>
-                            <a:schemeClr val="dk1"/>
-                          </a:solidFill>
-                          <a:latin typeface="+mn-lt"/>
-                          <a:ea typeface="+mn-ea"/>
-                          <a:cs typeface="+mn-cs"/>
-                        </a:rPr>
-                        <a:t>可拓展性差、可维护性差</a:t>
-                      </a:r>
-                      <a:endParaRPr lang="zh-CN" altLang="en-US" sz="1800" kern="1200" dirty="0">
-                        <a:solidFill>
-                          <a:schemeClr val="dk1"/>
-                        </a:solidFill>
-                        <a:latin typeface="+mn-lt"/>
-                        <a:ea typeface="+mn-ea"/>
-                        <a:cs typeface="+mn-cs"/>
-                      </a:endParaRPr>
-                    </a:p>
-                  </a:txBody>
-                  <a:tcPr/>
-                </a:tc>
-                <a:tc>
-                  <a:txBody>
-                    <a:bodyPr/>
-                    <a:lstStyle/>
-                    <a:p>
-                      <a:pPr marL="0" algn="l" defTabSz="914400" rtl="0" eaLnBrk="1" latinLnBrk="0" hangingPunct="1"/>
-                      <a:r>
-                        <a:rPr lang="zh-CN" altLang="en-US" sz="1800" kern="1200" dirty="0">
-                          <a:solidFill>
-                            <a:schemeClr val="dk1"/>
-                          </a:solidFill>
-                          <a:latin typeface="+mn-lt"/>
-                          <a:ea typeface="+mn-ea"/>
-                          <a:cs typeface="+mn-cs"/>
-                        </a:rPr>
-                        <a:t>模块化、结构</a:t>
-                      </a:r>
-                      <a:r>
-                        <a:rPr lang="zh-CN" altLang="en-US" sz="1800" kern="1200" dirty="0" smtClean="0">
-                          <a:solidFill>
-                            <a:schemeClr val="dk1"/>
-                          </a:solidFill>
-                          <a:latin typeface="+mn-lt"/>
-                          <a:ea typeface="+mn-ea"/>
-                          <a:cs typeface="+mn-cs"/>
-                        </a:rPr>
-                        <a:t>清晰</a:t>
-                      </a:r>
-                      <a:endParaRPr lang="en-US" altLang="zh-CN" sz="1800" kern="1200" dirty="0" smtClean="0">
-                        <a:solidFill>
-                          <a:schemeClr val="dk1"/>
-                        </a:solidFill>
-                        <a:latin typeface="+mn-lt"/>
-                        <a:ea typeface="+mn-ea"/>
-                        <a:cs typeface="+mn-cs"/>
-                      </a:endParaRPr>
-                    </a:p>
-                  </a:txBody>
-                  <a:tcPr anchor="ctr"/>
-                </a:tc>
-              </a:tr>
-            </a:tbl>
-          </a:graphicData>
-        </a:graphic>
-      </p:graphicFrame>
-    </p:spTree>
-    <p:extLst>
-      <p:ext uri="{BB962C8B-B14F-4D97-AF65-F5344CB8AC3E}">
-        <p14:creationId xmlns:p14="http://schemas.microsoft.com/office/powerpoint/2010/main" val="20692077"/>
-      </p:ext>
-    </p:extLst>
-  </p:cSld>
-  <p:clrMapOvr>
-    <a:masterClrMapping/>
-  </p:clrMapOvr>
-  <p:timing>
-    <p:tnLst>
-      <p:par>
-        <p:cTn id="1" dur="indefinite" restart="never" nodeType="tmRoot"/>
-      </p:par>
-    </p:tnLst>
   </p:timing>
 </p:sld>
 </file>
